--- a/pres.pptx
+++ b/pres.pptx
@@ -26,6 +26,8 @@
     <p:sldId id="271" r:id="rId23"/>
     <p:sldId id="272" r:id="rId24"/>
     <p:sldId id="273" r:id="rId25"/>
+    <p:sldId id="274" r:id="rId26"/>
+    <p:sldId id="275" r:id="rId27"/>
   </p:sldIdLst>
   <p:sldSz cx="13004800" cy="9753600"/>
   <p:notesSz cx="6858000" cy="9144000"/>
@@ -3071,37 +3073,9 @@
           <a:chExt cx="0" cy="0"/>
         </a:xfrm>
       </p:grpSpPr>
-      <p:sp>
-        <p:nvSpPr>
-          <p:cNvPr id="152" name="Revisión de Kubernetes"/>
-          <p:cNvSpPr txBox="1"/>
-          <p:nvPr>
-            <p:ph type="title"/>
-          </p:nvPr>
-        </p:nvSpPr>
-        <p:spPr>
-          <a:xfrm>
-            <a:off x="1270000" y="1854200"/>
-            <a:ext cx="10464800" cy="3302000"/>
-          </a:xfrm>
-          <a:prstGeom prst="rect">
-            <a:avLst/>
-          </a:prstGeom>
-        </p:spPr>
-        <p:txBody>
-          <a:bodyPr/>
-          <a:lstStyle/>
-          <a:p>
-            <a:pPr/>
-            <a:r>
-              <a:t>Revisión de Kubernetes</a:t>
-            </a:r>
-          </a:p>
-        </p:txBody>
-      </p:sp>
       <p:pic>
         <p:nvPicPr>
-          <p:cNvPr id="153" name="kubernetes_logo.png" descr="kubernetes_logo.png"/>
+          <p:cNvPr id="152" name="Image" descr="Image"/>
           <p:cNvPicPr>
             <a:picLocks noChangeAspect="1"/>
           </p:cNvPicPr>
@@ -3117,8 +3091,77 @@
         </p:blipFill>
         <p:spPr>
           <a:xfrm>
-            <a:off x="4851400" y="5025826"/>
-            <a:ext cx="3302000" cy="3302001"/>
+            <a:off x="95250" y="2582267"/>
+            <a:ext cx="12814300" cy="6184901"/>
+          </a:xfrm>
+          <a:prstGeom prst="rect">
+            <a:avLst/>
+          </a:prstGeom>
+          <a:ln w="12700">
+            <a:miter lim="400000"/>
+          </a:ln>
+        </p:spPr>
+      </p:pic>
+      <p:sp>
+        <p:nvSpPr>
+          <p:cNvPr id="153" name="Kubernetes + Jenkins ="/>
+          <p:cNvSpPr txBox="1"/>
+          <p:nvPr/>
+        </p:nvSpPr>
+        <p:spPr>
+          <a:xfrm>
+            <a:off x="1013714" y="1118617"/>
+            <a:ext cx="5973573" cy="709166"/>
+          </a:xfrm>
+          <a:prstGeom prst="rect">
+            <a:avLst/>
+          </a:prstGeom>
+          <a:ln w="12700">
+            <a:miter lim="400000"/>
+          </a:ln>
+          <a:extLst>
+            <a:ext uri="{C572A759-6A51-4108-AA02-DFA0A04FC94B}">
+              <ma14:wrappingTextBoxFlag xmlns:ma14="http://schemas.microsoft.com/office/mac/drawingml/2011/main" val="1"/>
+            </a:ext>
+          </a:extLst>
+        </p:spPr>
+        <p:txBody>
+          <a:bodyPr wrap="none" lIns="50800" tIns="50800" rIns="50800" bIns="50800" anchor="ctr">
+            <a:spAutoFit/>
+          </a:bodyPr>
+          <a:lstStyle>
+            <a:lvl1pPr>
+              <a:defRPr sz="4000"/>
+            </a:lvl1pPr>
+          </a:lstStyle>
+          <a:p>
+            <a:pPr/>
+            <a:r>
+              <a:t>Kubernetes + Jenkins = </a:t>
+            </a:r>
+          </a:p>
+        </p:txBody>
+      </p:sp>
+      <p:pic>
+        <p:nvPicPr>
+          <p:cNvPr id="154" name="Image" descr="Image"/>
+          <p:cNvPicPr>
+            <a:picLocks noChangeAspect="1"/>
+          </p:cNvPicPr>
+          <p:nvPr/>
+        </p:nvPicPr>
+        <p:blipFill>
+          <a:blip r:embed="rId3">
+            <a:extLst/>
+          </a:blip>
+          <a:stretch>
+            <a:fillRect/>
+          </a:stretch>
+        </p:blipFill>
+        <p:spPr>
+          <a:xfrm>
+            <a:off x="7029450" y="1182172"/>
+            <a:ext cx="582056" cy="582056"/>
           </a:xfrm>
           <a:prstGeom prst="rect">
             <a:avLst/>
@@ -3154,9 +3197,37 @@
           <a:chExt cx="0" cy="0"/>
         </a:xfrm>
       </p:grpSpPr>
+      <p:sp>
+        <p:nvSpPr>
+          <p:cNvPr id="156" name="Revisión de Kubernetes"/>
+          <p:cNvSpPr txBox="1"/>
+          <p:nvPr>
+            <p:ph type="title"/>
+          </p:nvPr>
+        </p:nvSpPr>
+        <p:spPr>
+          <a:xfrm>
+            <a:off x="1270000" y="1854200"/>
+            <a:ext cx="10464800" cy="3302000"/>
+          </a:xfrm>
+          <a:prstGeom prst="rect">
+            <a:avLst/>
+          </a:prstGeom>
+        </p:spPr>
+        <p:txBody>
+          <a:bodyPr/>
+          <a:lstStyle/>
+          <a:p>
+            <a:pPr/>
+            <a:r>
+              <a:t>Revisión de Kubernetes</a:t>
+            </a:r>
+          </a:p>
+        </p:txBody>
+      </p:sp>
       <p:pic>
         <p:nvPicPr>
-          <p:cNvPr id="155" name="ArchiOverView.png" descr="ArchiOverView.png"/>
+          <p:cNvPr id="157" name="kubernetes_logo.png" descr="kubernetes_logo.png"/>
           <p:cNvPicPr>
             <a:picLocks noChangeAspect="1"/>
           </p:cNvPicPr>
@@ -3172,8 +3243,8 @@
         </p:blipFill>
         <p:spPr>
           <a:xfrm>
-            <a:off x="970820" y="0"/>
-            <a:ext cx="11063160" cy="9753600"/>
+            <a:off x="4851400" y="5025826"/>
+            <a:ext cx="3302000" cy="3302001"/>
           </a:xfrm>
           <a:prstGeom prst="rect">
             <a:avLst/>
@@ -3211,7 +3282,7 @@
       </p:grpSpPr>
       <p:pic>
         <p:nvPicPr>
-          <p:cNvPr id="157" name="dashboard-ui.png" descr="dashboard-ui.png"/>
+          <p:cNvPr id="159" name="ArchiOverView.png" descr="ArchiOverView.png"/>
           <p:cNvPicPr>
             <a:picLocks noChangeAspect="1"/>
           </p:cNvPicPr>
@@ -3227,8 +3298,8 @@
         </p:blipFill>
         <p:spPr>
           <a:xfrm>
-            <a:off x="311723" y="154285"/>
-            <a:ext cx="12381354" cy="9753601"/>
+            <a:off x="970820" y="0"/>
+            <a:ext cx="11063160" cy="9753600"/>
           </a:xfrm>
           <a:prstGeom prst="rect">
             <a:avLst/>
@@ -3264,138 +3335,6 @@
           <a:chExt cx="0" cy="0"/>
         </a:xfrm>
       </p:grpSpPr>
-      <p:sp>
-        <p:nvSpPr>
-          <p:cNvPr id="159" name="API Gateway"/>
-          <p:cNvSpPr txBox="1"/>
-          <p:nvPr>
-            <p:ph type="title"/>
-          </p:nvPr>
-        </p:nvSpPr>
-        <p:spPr>
-          <a:prstGeom prst="rect">
-            <a:avLst/>
-          </a:prstGeom>
-        </p:spPr>
-        <p:txBody>
-          <a:bodyPr/>
-          <a:lstStyle/>
-          <a:p>
-            <a:pPr/>
-            <a:r>
-              <a:t>API Gateway</a:t>
-            </a:r>
-          </a:p>
-        </p:txBody>
-      </p:sp>
-      <p:sp>
-        <p:nvSpPr>
-          <p:cNvPr id="160" name="As a Microservice…"/>
-          <p:cNvSpPr txBox="1"/>
-          <p:nvPr>
-            <p:ph type="body" idx="1"/>
-          </p:nvPr>
-        </p:nvSpPr>
-        <p:spPr>
-          <a:xfrm>
-            <a:off x="952500" y="2590800"/>
-            <a:ext cx="11099800" cy="5060008"/>
-          </a:xfrm>
-          <a:prstGeom prst="rect">
-            <a:avLst/>
-          </a:prstGeom>
-        </p:spPr>
-        <p:txBody>
-          <a:bodyPr/>
-          <a:lstStyle/>
-          <a:p>
-            <a:pPr marL="293369" indent="-293369" defTabSz="385572">
-              <a:spcBef>
-                <a:spcPts val="2700"/>
-              </a:spcBef>
-              <a:defRPr sz="2640"/>
-            </a:pPr>
-            <a:r>
-              <a:t>As a Microservice</a:t>
-            </a:r>
-          </a:p>
-          <a:p>
-            <a:pPr lvl="2" marL="880110" indent="-293370" defTabSz="385572">
-              <a:spcBef>
-                <a:spcPts val="2700"/>
-              </a:spcBef>
-              <a:defRPr sz="2640"/>
-            </a:pPr>
-            <a:r>
-              <a:t>Nginx Reverse Proxy</a:t>
-            </a:r>
-          </a:p>
-          <a:p>
-            <a:pPr lvl="3" marL="1173480" indent="-293370" defTabSz="385572">
-              <a:spcBef>
-                <a:spcPts val="2700"/>
-              </a:spcBef>
-              <a:defRPr sz="2640"/>
-            </a:pPr>
-            <a:r>
-              <a:t>Liviano, seguro, rapido, documentado</a:t>
-            </a:r>
-          </a:p>
-          <a:p>
-            <a:pPr lvl="3" marL="1173480" indent="-293370" defTabSz="385572">
-              <a:spcBef>
-                <a:spcPts val="2700"/>
-              </a:spcBef>
-              <a:defRPr sz="2640"/>
-            </a:pPr>
-            <a:r>
-              <a:t>Facil de configurar</a:t>
-            </a:r>
-          </a:p>
-          <a:p>
-            <a:pPr lvl="2" marL="880110" indent="-293370" defTabSz="385572">
-              <a:spcBef>
-                <a:spcPts val="2700"/>
-              </a:spcBef>
-              <a:defRPr sz="2640"/>
-            </a:pPr>
-            <a:r>
-              <a:t>HLTM</a:t>
-            </a:r>
-            <a:r>
-              <a:rPr>
-                <a:latin typeface="Helvetica Neue UltraLight"/>
-                <a:ea typeface="Helvetica Neue UltraLight"/>
-                <a:cs typeface="Helvetica Neue UltraLight"/>
-                <a:sym typeface="Helvetica Neue UltraLight"/>
-              </a:rPr>
-              <a:t>*</a:t>
-            </a:r>
-          </a:p>
-          <a:p>
-            <a:pPr lvl="3" marL="1173480" indent="-293370" defTabSz="385572">
-              <a:spcBef>
-                <a:spcPts val="2700"/>
-              </a:spcBef>
-              <a:defRPr sz="2640"/>
-            </a:pPr>
-            <a:r>
-              <a:t>NodeJS</a:t>
-            </a:r>
-          </a:p>
-          <a:p>
-            <a:pPr lvl="3" marL="1173480" indent="-293370" defTabSz="385572">
-              <a:spcBef>
-                <a:spcPts val="2700"/>
-              </a:spcBef>
-              <a:defRPr sz="2640"/>
-            </a:pPr>
-            <a:r>
-              <a:t>WSO2</a:t>
-            </a:r>
-          </a:p>
-        </p:txBody>
-      </p:sp>
       <p:pic>
         <p:nvPicPr>
           <p:cNvPr id="161" name="Image" descr="Image"/>
@@ -3414,8 +3353,8 @@
         </p:blipFill>
         <p:spPr>
           <a:xfrm>
-            <a:off x="7012394" y="3341804"/>
-            <a:ext cx="5295295" cy="5251532"/>
+            <a:off x="1422400" y="1459026"/>
+            <a:ext cx="10160000" cy="6604001"/>
           </a:xfrm>
           <a:prstGeom prst="rect">
             <a:avLst/>
@@ -3425,45 +3364,16 @@
           </a:ln>
         </p:spPr>
       </p:pic>
-      <p:pic>
-        <p:nvPicPr>
-          <p:cNvPr id="162" name="Image" descr="Image"/>
-          <p:cNvPicPr>
-            <a:picLocks noChangeAspect="1"/>
-          </p:cNvPicPr>
-          <p:nvPr/>
-        </p:nvPicPr>
-        <p:blipFill>
-          <a:blip r:embed="rId3">
-            <a:extLst/>
-          </a:blip>
-          <a:stretch>
-            <a:fillRect/>
-          </a:stretch>
-        </p:blipFill>
-        <p:spPr>
-          <a:xfrm>
-            <a:off x="10382901" y="1913760"/>
-            <a:ext cx="2039089" cy="465209"/>
-          </a:xfrm>
-          <a:prstGeom prst="rect">
-            <a:avLst/>
-          </a:prstGeom>
-          <a:ln w="12700">
-            <a:miter lim="400000"/>
-          </a:ln>
-        </p:spPr>
-      </p:pic>
       <p:sp>
         <p:nvSpPr>
-          <p:cNvPr id="163" name="*Haz Lo Tu Mismo"/>
+          <p:cNvPr id="162" name="Arquitectura de un cluster Kubernetes"/>
           <p:cNvSpPr txBox="1"/>
           <p:nvPr/>
         </p:nvSpPr>
         <p:spPr>
           <a:xfrm>
-            <a:off x="-419101" y="9486899"/>
-            <a:ext cx="1597280" cy="254001"/>
+            <a:off x="1504961" y="255017"/>
+            <a:ext cx="9371585" cy="709166"/>
           </a:xfrm>
           <a:prstGeom prst="rect">
             <a:avLst/>
@@ -3481,21 +3391,51 @@
           <a:bodyPr wrap="none" lIns="50800" tIns="50800" rIns="50800" bIns="50800" anchor="ctr">
             <a:spAutoFit/>
           </a:bodyPr>
+          <a:lstStyle>
+            <a:lvl1pPr>
+              <a:defRPr sz="4000"/>
+            </a:lvl1pPr>
+          </a:lstStyle>
+          <a:p>
+            <a:pPr/>
+            <a:r>
+              <a:t>Arquitectura de un cluster Kubernetes</a:t>
+            </a:r>
+          </a:p>
+        </p:txBody>
+      </p:sp>
+      <p:sp>
+        <p:nvSpPr>
+          <p:cNvPr id="163" name="Kubernetes soporta también el modo multi-master (Alta disponibilidad)"/>
+          <p:cNvSpPr txBox="1"/>
+          <p:nvPr/>
+        </p:nvSpPr>
+        <p:spPr>
+          <a:xfrm>
+            <a:off x="977302" y="8557870"/>
+            <a:ext cx="10426904" cy="461060"/>
+          </a:xfrm>
+          <a:prstGeom prst="rect">
+            <a:avLst/>
+          </a:prstGeom>
+          <a:ln w="12700">
+            <a:miter lim="400000"/>
+          </a:ln>
+          <a:extLst>
+            <a:ext uri="{C572A759-6A51-4108-AA02-DFA0A04FC94B}">
+              <ma14:wrappingTextBoxFlag xmlns:ma14="http://schemas.microsoft.com/office/mac/drawingml/2011/main" val="1"/>
+            </a:ext>
+          </a:extLst>
+        </p:spPr>
+        <p:txBody>
+          <a:bodyPr wrap="none" lIns="50800" tIns="50800" rIns="50800" bIns="50800" anchor="ctr">
+            <a:spAutoFit/>
+          </a:bodyPr>
           <a:lstStyle/>
           <a:p>
-            <a:pPr lvl="2" algn="l">
-              <a:spcBef>
-                <a:spcPts val="4200"/>
-              </a:spcBef>
-              <a:defRPr b="0" i="1" sz="1000">
-                <a:latin typeface="Helvetica Light"/>
-                <a:ea typeface="Helvetica Light"/>
-                <a:cs typeface="Helvetica Light"/>
-                <a:sym typeface="Helvetica Light"/>
-              </a:defRPr>
-            </a:pPr>
-            <a:r>
-              <a:t>*Haz Lo Tu Mismo</a:t>
+            <a:pPr/>
+            <a:r>
+              <a:t>Kubernetes soporta también el modo multi-master (Alta disponibilidad)</a:t>
             </a:r>
           </a:p>
         </p:txBody>
@@ -3526,57 +3466,9 @@
           <a:chExt cx="0" cy="0"/>
         </a:xfrm>
       </p:grpSpPr>
-      <p:sp>
-        <p:nvSpPr>
-          <p:cNvPr id="165" name="Circuit Breaker"/>
-          <p:cNvSpPr txBox="1"/>
-          <p:nvPr>
-            <p:ph type="title"/>
-          </p:nvPr>
-        </p:nvSpPr>
-        <p:spPr>
-          <a:prstGeom prst="rect">
-            <a:avLst/>
-          </a:prstGeom>
-        </p:spPr>
-        <p:txBody>
-          <a:bodyPr/>
-          <a:lstStyle/>
-          <a:p>
-            <a:pPr/>
-            <a:r>
-              <a:t>Circuit Breaker</a:t>
-            </a:r>
-          </a:p>
-        </p:txBody>
-      </p:sp>
-      <p:sp>
-        <p:nvSpPr>
-          <p:cNvPr id="166" name="Hystrix"/>
-          <p:cNvSpPr txBox="1"/>
-          <p:nvPr>
-            <p:ph type="body" idx="1"/>
-          </p:nvPr>
-        </p:nvSpPr>
-        <p:spPr>
-          <a:prstGeom prst="rect">
-            <a:avLst/>
-          </a:prstGeom>
-        </p:spPr>
-        <p:txBody>
-          <a:bodyPr/>
-          <a:lstStyle/>
-          <a:p>
-            <a:pPr/>
-            <a:r>
-              <a:t>Hystrix</a:t>
-            </a:r>
-          </a:p>
-        </p:txBody>
-      </p:sp>
       <p:pic>
         <p:nvPicPr>
-          <p:cNvPr id="167" name="Image" descr="Image"/>
+          <p:cNvPr id="165" name="dashboard-ui.png" descr="dashboard-ui.png"/>
           <p:cNvPicPr>
             <a:picLocks noChangeAspect="1"/>
           </p:cNvPicPr>
@@ -3592,8 +3484,8 @@
         </p:blipFill>
         <p:spPr>
           <a:xfrm>
-            <a:off x="7573168" y="7772151"/>
-            <a:ext cx="5346701" cy="1524001"/>
+            <a:off x="311723" y="154285"/>
+            <a:ext cx="12381354" cy="9753601"/>
           </a:xfrm>
           <a:prstGeom prst="rect">
             <a:avLst/>
@@ -3631,17 +3523,13 @@
       </p:grpSpPr>
       <p:sp>
         <p:nvSpPr>
-          <p:cNvPr id="169" name="Monitoring &amp; Metrics"/>
+          <p:cNvPr id="167" name="API Gateway"/>
           <p:cNvSpPr txBox="1"/>
           <p:nvPr>
             <p:ph type="title"/>
           </p:nvPr>
         </p:nvSpPr>
         <p:spPr>
-          <a:xfrm>
-            <a:off x="698500" y="0"/>
-            <a:ext cx="11099800" cy="2159000"/>
-          </a:xfrm>
           <a:prstGeom prst="rect">
             <a:avLst/>
           </a:prstGeom>
@@ -3652,14 +3540,14 @@
           <a:p>
             <a:pPr/>
             <a:r>
-              <a:t>Monitoring &amp; Metrics</a:t>
+              <a:t>API Gateway</a:t>
             </a:r>
           </a:p>
         </p:txBody>
       </p:sp>
       <p:sp>
         <p:nvSpPr>
-          <p:cNvPr id="170" name="Heapster con InfluxDB y Grafana para visualización…"/>
+          <p:cNvPr id="168" name="As a Microservice…"/>
           <p:cNvSpPr txBox="1"/>
           <p:nvPr>
             <p:ph type="body" idx="1"/>
@@ -3667,8 +3555,8 @@
         </p:nvSpPr>
         <p:spPr>
           <a:xfrm>
-            <a:off x="368300" y="2030759"/>
-            <a:ext cx="11099800" cy="6656041"/>
+            <a:off x="952500" y="2590800"/>
+            <a:ext cx="11099800" cy="5060008"/>
           </a:xfrm>
           <a:prstGeom prst="rect">
             <a:avLst/>
@@ -3678,96 +3566,96 @@
           <a:bodyPr/>
           <a:lstStyle/>
           <a:p>
-            <a:pPr/>
-            <a:r>
-              <a:t>Heapster con InfluxDB y Grafana para visualización</a:t>
-            </a:r>
-          </a:p>
-          <a:p>
-            <a:pPr lvl="2">
-              <a:spcBef>
-                <a:spcPts val="1200"/>
-              </a:spcBef>
+            <a:pPr marL="293369" indent="-293369" defTabSz="385572">
+              <a:spcBef>
+                <a:spcPts val="2700"/>
+              </a:spcBef>
+              <a:defRPr sz="2640"/>
             </a:pPr>
             <a:r>
-              <a:t>Pros</a:t>
-            </a:r>
-          </a:p>
-          <a:p>
-            <a:pPr lvl="3">
-              <a:spcBef>
-                <a:spcPts val="1200"/>
-              </a:spcBef>
+              <a:t>As a Microservice</a:t>
+            </a:r>
+          </a:p>
+          <a:p>
+            <a:pPr lvl="2" marL="880110" indent="-293370" defTabSz="385572">
+              <a:spcBef>
+                <a:spcPts val="2700"/>
+              </a:spcBef>
+              <a:defRPr sz="2640"/>
             </a:pPr>
             <a:r>
-              <a:t>Integración con Kubernetes</a:t>
-            </a:r>
-          </a:p>
-          <a:p>
-            <a:pPr lvl="2">
-              <a:spcBef>
-                <a:spcPts val="1200"/>
-              </a:spcBef>
+              <a:t>Nginx Reverse Proxy</a:t>
+            </a:r>
+          </a:p>
+          <a:p>
+            <a:pPr lvl="3" marL="1173480" indent="-293370" defTabSz="385572">
+              <a:spcBef>
+                <a:spcPts val="2700"/>
+              </a:spcBef>
+              <a:defRPr sz="2640"/>
             </a:pPr>
             <a:r>
-              <a:t>Cons</a:t>
-            </a:r>
-          </a:p>
-          <a:p>
-            <a:pPr lvl="3">
-              <a:spcBef>
-                <a:spcPts val="1200"/>
-              </a:spcBef>
+              <a:t>Liviano, seguro, rapido, documentado</a:t>
+            </a:r>
+          </a:p>
+          <a:p>
+            <a:pPr lvl="3" marL="1173480" indent="-293370" defTabSz="385572">
+              <a:spcBef>
+                <a:spcPts val="2700"/>
+              </a:spcBef>
+              <a:defRPr sz="2640"/>
             </a:pPr>
             <a:r>
-              <a:t>Limitado a Kubernetes</a:t>
-            </a:r>
-          </a:p>
-          <a:p>
-            <a:pPr lvl="3">
-              <a:spcBef>
-                <a:spcPts val="1200"/>
-              </a:spcBef>
+              <a:t>Facil de configurar</a:t>
+            </a:r>
+          </a:p>
+          <a:p>
+            <a:pPr lvl="2" marL="880110" indent="-293370" defTabSz="385572">
+              <a:spcBef>
+                <a:spcPts val="2700"/>
+              </a:spcBef>
+              <a:defRPr sz="2640"/>
             </a:pPr>
             <a:r>
-              <a:t>Solo REST (no hay query language)</a:t>
-            </a:r>
-          </a:p>
-          <a:p>
-            <a:pPr>
-              <a:spcBef>
-                <a:spcPts val="2600"/>
-              </a:spcBef>
+              <a:t>HLTM</a:t>
+            </a:r>
+            <a:r>
+              <a:rPr>
+                <a:latin typeface="Helvetica Neue UltraLight"/>
+                <a:ea typeface="Helvetica Neue UltraLight"/>
+                <a:cs typeface="Helvetica Neue UltraLight"/>
+                <a:sym typeface="Helvetica Neue UltraLight"/>
+              </a:rPr>
+              <a:t>*</a:t>
+            </a:r>
+          </a:p>
+          <a:p>
+            <a:pPr lvl="3" marL="1173480" indent="-293370" defTabSz="385572">
+              <a:spcBef>
+                <a:spcPts val="2700"/>
+              </a:spcBef>
+              <a:defRPr sz="2640"/>
             </a:pPr>
             <a:r>
-              <a:t>Prometheus</a:t>
-            </a:r>
-          </a:p>
-          <a:p>
-            <a:pPr lvl="2">
-              <a:spcBef>
-                <a:spcPts val="1200"/>
-              </a:spcBef>
+              <a:t>NodeJS</a:t>
+            </a:r>
+          </a:p>
+          <a:p>
+            <a:pPr lvl="3" marL="1173480" indent="-293370" defTabSz="385572">
+              <a:spcBef>
+                <a:spcPts val="2700"/>
+              </a:spcBef>
+              <a:defRPr sz="2640"/>
             </a:pPr>
             <a:r>
-              <a:t>Pros</a:t>
-            </a:r>
-          </a:p>
-          <a:p>
-            <a:pPr lvl="2">
-              <a:spcBef>
-                <a:spcPts val="1200"/>
-              </a:spcBef>
-            </a:pPr>
-            <a:r>
-              <a:t>Cons</a:t>
+              <a:t>WSO2</a:t>
             </a:r>
           </a:p>
         </p:txBody>
       </p:sp>
       <p:pic>
         <p:nvPicPr>
-          <p:cNvPr id="171" name="Image" descr="Image"/>
+          <p:cNvPr id="169" name="Image" descr="Image"/>
           <p:cNvPicPr>
             <a:picLocks noChangeAspect="1"/>
           </p:cNvPicPr>
@@ -3783,8 +3671,8 @@
         </p:blipFill>
         <p:spPr>
           <a:xfrm>
-            <a:off x="7413981" y="6836075"/>
-            <a:ext cx="5307402" cy="2607054"/>
+            <a:off x="7012394" y="3341804"/>
+            <a:ext cx="5295295" cy="5251532"/>
           </a:xfrm>
           <a:prstGeom prst="rect">
             <a:avLst/>
@@ -3794,6 +3682,81 @@
           </a:ln>
         </p:spPr>
       </p:pic>
+      <p:pic>
+        <p:nvPicPr>
+          <p:cNvPr id="170" name="Image" descr="Image"/>
+          <p:cNvPicPr>
+            <a:picLocks noChangeAspect="1"/>
+          </p:cNvPicPr>
+          <p:nvPr/>
+        </p:nvPicPr>
+        <p:blipFill>
+          <a:blip r:embed="rId3">
+            <a:extLst/>
+          </a:blip>
+          <a:stretch>
+            <a:fillRect/>
+          </a:stretch>
+        </p:blipFill>
+        <p:spPr>
+          <a:xfrm>
+            <a:off x="10382901" y="1913760"/>
+            <a:ext cx="2039089" cy="465209"/>
+          </a:xfrm>
+          <a:prstGeom prst="rect">
+            <a:avLst/>
+          </a:prstGeom>
+          <a:ln w="12700">
+            <a:miter lim="400000"/>
+          </a:ln>
+        </p:spPr>
+      </p:pic>
+      <p:sp>
+        <p:nvSpPr>
+          <p:cNvPr id="171" name="*Haz Lo Tu Mismo"/>
+          <p:cNvSpPr txBox="1"/>
+          <p:nvPr/>
+        </p:nvSpPr>
+        <p:spPr>
+          <a:xfrm>
+            <a:off x="-419101" y="9486899"/>
+            <a:ext cx="1597280" cy="254001"/>
+          </a:xfrm>
+          <a:prstGeom prst="rect">
+            <a:avLst/>
+          </a:prstGeom>
+          <a:ln w="12700">
+            <a:miter lim="400000"/>
+          </a:ln>
+          <a:extLst>
+            <a:ext uri="{C572A759-6A51-4108-AA02-DFA0A04FC94B}">
+              <ma14:wrappingTextBoxFlag xmlns:ma14="http://schemas.microsoft.com/office/mac/drawingml/2011/main" val="1"/>
+            </a:ext>
+          </a:extLst>
+        </p:spPr>
+        <p:txBody>
+          <a:bodyPr wrap="none" lIns="50800" tIns="50800" rIns="50800" bIns="50800" anchor="ctr">
+            <a:spAutoFit/>
+          </a:bodyPr>
+          <a:lstStyle/>
+          <a:p>
+            <a:pPr lvl="2" algn="l">
+              <a:spcBef>
+                <a:spcPts val="4200"/>
+              </a:spcBef>
+              <a:defRPr b="0" i="1" sz="1000">
+                <a:latin typeface="Helvetica Light"/>
+                <a:ea typeface="Helvetica Light"/>
+                <a:cs typeface="Helvetica Light"/>
+                <a:sym typeface="Helvetica Light"/>
+              </a:defRPr>
+            </a:pPr>
+            <a:r>
+              <a:t>*Haz Lo Tu Mismo</a:t>
+            </a:r>
+          </a:p>
+        </p:txBody>
+      </p:sp>
     </p:spTree>
   </p:cSld>
   <p:clrMapOvr>
@@ -3822,17 +3785,13 @@
       </p:grpSpPr>
       <p:sp>
         <p:nvSpPr>
-          <p:cNvPr id="173" name="Logging"/>
+          <p:cNvPr id="173" name="Circuit Breaker"/>
           <p:cNvSpPr txBox="1"/>
           <p:nvPr>
             <p:ph type="title"/>
           </p:nvPr>
         </p:nvSpPr>
         <p:spPr>
-          <a:xfrm>
-            <a:off x="952500" y="254000"/>
-            <a:ext cx="11099800" cy="1543894"/>
-          </a:xfrm>
           <a:prstGeom prst="rect">
             <a:avLst/>
           </a:prstGeom>
@@ -3843,24 +3802,20 @@
           <a:p>
             <a:pPr/>
             <a:r>
-              <a:t>Logging</a:t>
+              <a:t>Circuit Breaker</a:t>
             </a:r>
           </a:p>
         </p:txBody>
       </p:sp>
       <p:sp>
         <p:nvSpPr>
-          <p:cNvPr id="174" name="EFK/ELK…"/>
+          <p:cNvPr id="174" name="Hystrix…"/>
           <p:cNvSpPr txBox="1"/>
           <p:nvPr>
             <p:ph type="body" idx="1"/>
           </p:nvPr>
         </p:nvSpPr>
         <p:spPr>
-          <a:xfrm>
-            <a:off x="660400" y="2316509"/>
-            <a:ext cx="11938645" cy="6967191"/>
-          </a:xfrm>
           <a:prstGeom prst="rect">
             <a:avLst/>
           </a:prstGeom>
@@ -3871,67 +3826,13 @@
           <a:p>
             <a:pPr/>
             <a:r>
-              <a:t>EFK/ELK</a:t>
-            </a:r>
-          </a:p>
-          <a:p>
-            <a:pPr lvl="1">
-              <a:spcBef>
-                <a:spcPts val="1000"/>
-              </a:spcBef>
-            </a:pPr>
-            <a:r>
-              <a:t>ElasticSearch</a:t>
-            </a:r>
-          </a:p>
-          <a:p>
-            <a:pPr lvl="3">
-              <a:spcBef>
-                <a:spcPts val="1000"/>
-              </a:spcBef>
-            </a:pPr>
-            <a:r>
-              <a:t>FluentD (Driver nativo para Docker)</a:t>
-            </a:r>
-          </a:p>
-          <a:p>
-            <a:pPr lvl="3">
-              <a:spcBef>
-                <a:spcPts val="1000"/>
-              </a:spcBef>
-            </a:pPr>
-            <a:r>
-              <a:t>LogStash + FileBeat (Mejor integración con E y K)</a:t>
-            </a:r>
-          </a:p>
-          <a:p>
-            <a:pPr lvl="1">
-              <a:spcBef>
-                <a:spcPts val="1000"/>
-              </a:spcBef>
-            </a:pPr>
-            <a:r>
-              <a:t>Kibana</a:t>
-            </a:r>
-          </a:p>
-          <a:p>
-            <a:pPr lvl="1">
-              <a:spcBef>
-                <a:spcPts val="1000"/>
-              </a:spcBef>
-            </a:pPr>
-            <a:r>
-              <a:t>Se recomienda agregar un Queue Broker para desacoplar la recolección de logs y su tratamiento (Redis/RabbitMQ)</a:t>
-            </a:r>
-          </a:p>
-          <a:p>
-            <a:pPr>
-              <a:spcBef>
-                <a:spcPts val="1000"/>
-              </a:spcBef>
-            </a:pPr>
-            <a:r>
-              <a:t>StackDriver (adecuado para Google Cloud)</a:t>
+              <a:t>Hystrix</a:t>
+            </a:r>
+          </a:p>
+          <a:p>
+            <a:pPr/>
+            <a:r>
+              <a:t>Akka</a:t>
             </a:r>
           </a:p>
         </p:txBody>
@@ -3954,37 +3855,8 @@
         </p:blipFill>
         <p:spPr>
           <a:xfrm>
-            <a:off x="9834317" y="693108"/>
-            <a:ext cx="2278934" cy="1808677"/>
-          </a:xfrm>
-          <a:prstGeom prst="rect">
-            <a:avLst/>
-          </a:prstGeom>
-          <a:ln w="12700">
-            <a:miter lim="400000"/>
-          </a:ln>
-        </p:spPr>
-      </p:pic>
-      <p:pic>
-        <p:nvPicPr>
-          <p:cNvPr id="176" name="Image" descr="Image"/>
-          <p:cNvPicPr>
-            <a:picLocks noChangeAspect="1"/>
-          </p:cNvPicPr>
-          <p:nvPr/>
-        </p:nvPicPr>
-        <p:blipFill>
-          <a:blip r:embed="rId3">
-            <a:extLst/>
-          </a:blip>
-          <a:stretch>
-            <a:fillRect/>
-          </a:stretch>
-        </p:blipFill>
-        <p:spPr>
-          <a:xfrm>
-            <a:off x="9958536" y="2562761"/>
-            <a:ext cx="2030496" cy="1808678"/>
+            <a:off x="7573168" y="7772151"/>
+            <a:ext cx="5346701" cy="1524001"/>
           </a:xfrm>
           <a:prstGeom prst="rect">
             <a:avLst/>
@@ -4022,13 +3894,17 @@
       </p:grpSpPr>
       <p:sp>
         <p:nvSpPr>
-          <p:cNvPr id="178" name="Tracing"/>
+          <p:cNvPr id="177" name="Monitoring &amp; Metrics"/>
           <p:cNvSpPr txBox="1"/>
           <p:nvPr>
             <p:ph type="title"/>
           </p:nvPr>
         </p:nvSpPr>
         <p:spPr>
+          <a:xfrm>
+            <a:off x="698500" y="0"/>
+            <a:ext cx="11099800" cy="2159000"/>
+          </a:xfrm>
           <a:prstGeom prst="rect">
             <a:avLst/>
           </a:prstGeom>
@@ -4039,20 +3915,24 @@
           <a:p>
             <a:pPr/>
             <a:r>
-              <a:t>Tracing</a:t>
+              <a:t>Monitoring &amp; Metrics</a:t>
             </a:r>
           </a:p>
         </p:txBody>
       </p:sp>
       <p:sp>
         <p:nvSpPr>
-          <p:cNvPr id="179" name="ZipKin"/>
+          <p:cNvPr id="178" name="Heapster con InfluxDB y Grafana para visualización…"/>
           <p:cNvSpPr txBox="1"/>
           <p:nvPr>
             <p:ph type="body" idx="1"/>
           </p:nvPr>
         </p:nvSpPr>
         <p:spPr>
+          <a:xfrm>
+            <a:off x="368300" y="2030759"/>
+            <a:ext cx="11099800" cy="6656041"/>
+          </a:xfrm>
           <a:prstGeom prst="rect">
             <a:avLst/>
           </a:prstGeom>
@@ -4063,14 +3943,94 @@
           <a:p>
             <a:pPr/>
             <a:r>
-              <a:t>ZipKin</a:t>
+              <a:t>Heapster con InfluxDB y Grafana para visualización</a:t>
+            </a:r>
+          </a:p>
+          <a:p>
+            <a:pPr lvl="2">
+              <a:spcBef>
+                <a:spcPts val="1200"/>
+              </a:spcBef>
+            </a:pPr>
+            <a:r>
+              <a:t>Pros</a:t>
+            </a:r>
+          </a:p>
+          <a:p>
+            <a:pPr lvl="3">
+              <a:spcBef>
+                <a:spcPts val="1200"/>
+              </a:spcBef>
+            </a:pPr>
+            <a:r>
+              <a:t>Integración con Kubernetes</a:t>
+            </a:r>
+          </a:p>
+          <a:p>
+            <a:pPr lvl="2">
+              <a:spcBef>
+                <a:spcPts val="1200"/>
+              </a:spcBef>
+            </a:pPr>
+            <a:r>
+              <a:t>Cons</a:t>
+            </a:r>
+          </a:p>
+          <a:p>
+            <a:pPr lvl="3">
+              <a:spcBef>
+                <a:spcPts val="1200"/>
+              </a:spcBef>
+            </a:pPr>
+            <a:r>
+              <a:t>Limitado a Kubernetes</a:t>
+            </a:r>
+          </a:p>
+          <a:p>
+            <a:pPr lvl="3">
+              <a:spcBef>
+                <a:spcPts val="1200"/>
+              </a:spcBef>
+            </a:pPr>
+            <a:r>
+              <a:t>Solo REST (no hay query language)</a:t>
+            </a:r>
+          </a:p>
+          <a:p>
+            <a:pPr>
+              <a:spcBef>
+                <a:spcPts val="2600"/>
+              </a:spcBef>
+            </a:pPr>
+            <a:r>
+              <a:t>Prometheus</a:t>
+            </a:r>
+          </a:p>
+          <a:p>
+            <a:pPr lvl="2">
+              <a:spcBef>
+                <a:spcPts val="1200"/>
+              </a:spcBef>
+            </a:pPr>
+            <a:r>
+              <a:t>Pros</a:t>
+            </a:r>
+          </a:p>
+          <a:p>
+            <a:pPr lvl="2">
+              <a:spcBef>
+                <a:spcPts val="1200"/>
+              </a:spcBef>
+            </a:pPr>
+            <a:r>
+              <a:t>Cons</a:t>
             </a:r>
           </a:p>
         </p:txBody>
       </p:sp>
       <p:pic>
         <p:nvPicPr>
-          <p:cNvPr id="180" name="Image" descr="Image"/>
+          <p:cNvPr id="179" name="Image" descr="Image"/>
           <p:cNvPicPr>
             <a:picLocks noChangeAspect="1"/>
           </p:cNvPicPr>
@@ -4086,8 +4046,8 @@
         </p:blipFill>
         <p:spPr>
           <a:xfrm>
-            <a:off x="9277399" y="2590601"/>
-            <a:ext cx="2540001" cy="2540001"/>
+            <a:off x="7413981" y="6836075"/>
+            <a:ext cx="5307402" cy="2607054"/>
           </a:xfrm>
           <a:prstGeom prst="rect">
             <a:avLst/>
@@ -4123,9 +4083,125 @@
           <a:chExt cx="0" cy="0"/>
         </a:xfrm>
       </p:grpSpPr>
+      <p:sp>
+        <p:nvSpPr>
+          <p:cNvPr id="181" name="Logging"/>
+          <p:cNvSpPr txBox="1"/>
+          <p:nvPr>
+            <p:ph type="title"/>
+          </p:nvPr>
+        </p:nvSpPr>
+        <p:spPr>
+          <a:xfrm>
+            <a:off x="952500" y="254000"/>
+            <a:ext cx="11099800" cy="1543894"/>
+          </a:xfrm>
+          <a:prstGeom prst="rect">
+            <a:avLst/>
+          </a:prstGeom>
+        </p:spPr>
+        <p:txBody>
+          <a:bodyPr/>
+          <a:lstStyle/>
+          <a:p>
+            <a:pPr/>
+            <a:r>
+              <a:t>Logging</a:t>
+            </a:r>
+          </a:p>
+        </p:txBody>
+      </p:sp>
+      <p:sp>
+        <p:nvSpPr>
+          <p:cNvPr id="182" name="EFK/ELK…"/>
+          <p:cNvSpPr txBox="1"/>
+          <p:nvPr>
+            <p:ph type="body" idx="1"/>
+          </p:nvPr>
+        </p:nvSpPr>
+        <p:spPr>
+          <a:xfrm>
+            <a:off x="660400" y="2316509"/>
+            <a:ext cx="11938645" cy="6967191"/>
+          </a:xfrm>
+          <a:prstGeom prst="rect">
+            <a:avLst/>
+          </a:prstGeom>
+        </p:spPr>
+        <p:txBody>
+          <a:bodyPr/>
+          <a:lstStyle/>
+          <a:p>
+            <a:pPr/>
+            <a:r>
+              <a:t>EFK/ELK</a:t>
+            </a:r>
+          </a:p>
+          <a:p>
+            <a:pPr lvl="1">
+              <a:spcBef>
+                <a:spcPts val="1000"/>
+              </a:spcBef>
+            </a:pPr>
+            <a:r>
+              <a:t>ElasticSearch</a:t>
+            </a:r>
+          </a:p>
+          <a:p>
+            <a:pPr lvl="3">
+              <a:spcBef>
+                <a:spcPts val="1000"/>
+              </a:spcBef>
+            </a:pPr>
+            <a:r>
+              <a:t>FluentD (Driver nativo para Docker)</a:t>
+            </a:r>
+          </a:p>
+          <a:p>
+            <a:pPr lvl="3">
+              <a:spcBef>
+                <a:spcPts val="1000"/>
+              </a:spcBef>
+            </a:pPr>
+            <a:r>
+              <a:t>LogStash + FileBeat (Mejor integración con E y K)</a:t>
+            </a:r>
+          </a:p>
+          <a:p>
+            <a:pPr lvl="1">
+              <a:spcBef>
+                <a:spcPts val="1000"/>
+              </a:spcBef>
+            </a:pPr>
+            <a:r>
+              <a:t>Kibana</a:t>
+            </a:r>
+          </a:p>
+          <a:p>
+            <a:pPr lvl="1">
+              <a:spcBef>
+                <a:spcPts val="1000"/>
+              </a:spcBef>
+            </a:pPr>
+            <a:r>
+              <a:t>Se recomienda agregar un Queue Broker para desacoplar la recolección de logs y su tratamiento (Redis/RabbitMQ)</a:t>
+            </a:r>
+          </a:p>
+          <a:p>
+            <a:pPr>
+              <a:spcBef>
+                <a:spcPts val="1000"/>
+              </a:spcBef>
+            </a:pPr>
+            <a:r>
+              <a:t>StackDriver (adecuado para Google Cloud)</a:t>
+            </a:r>
+          </a:p>
+        </p:txBody>
+      </p:sp>
       <p:pic>
         <p:nvPicPr>
-          <p:cNvPr id="182" name="MMicroservicios.png" descr="MMicroservicios.png"/>
+          <p:cNvPr id="183" name="Image" descr="Image"/>
           <p:cNvPicPr>
             <a:picLocks noChangeAspect="1"/>
           </p:cNvPicPr>
@@ -4141,8 +4217,140 @@
         </p:blipFill>
         <p:spPr>
           <a:xfrm>
-            <a:off x="153838" y="855084"/>
-            <a:ext cx="13004801" cy="8043432"/>
+            <a:off x="9834317" y="693108"/>
+            <a:ext cx="2278934" cy="1808677"/>
+          </a:xfrm>
+          <a:prstGeom prst="rect">
+            <a:avLst/>
+          </a:prstGeom>
+          <a:ln w="12700">
+            <a:miter lim="400000"/>
+          </a:ln>
+        </p:spPr>
+      </p:pic>
+      <p:pic>
+        <p:nvPicPr>
+          <p:cNvPr id="184" name="Image" descr="Image"/>
+          <p:cNvPicPr>
+            <a:picLocks noChangeAspect="1"/>
+          </p:cNvPicPr>
+          <p:nvPr/>
+        </p:nvPicPr>
+        <p:blipFill>
+          <a:blip r:embed="rId3">
+            <a:extLst/>
+          </a:blip>
+          <a:stretch>
+            <a:fillRect/>
+          </a:stretch>
+        </p:blipFill>
+        <p:spPr>
+          <a:xfrm>
+            <a:off x="9958536" y="2562761"/>
+            <a:ext cx="2030496" cy="1808678"/>
+          </a:xfrm>
+          <a:prstGeom prst="rect">
+            <a:avLst/>
+          </a:prstGeom>
+          <a:ln w="12700">
+            <a:miter lim="400000"/>
+          </a:ln>
+        </p:spPr>
+      </p:pic>
+    </p:spTree>
+  </p:cSld>
+  <p:clrMapOvr>
+    <a:masterClrMapping/>
+  </p:clrMapOvr>
+  <p:transition xmlns:p14="http://schemas.microsoft.com/office/powerpoint/2010/main" spd="med" advClick="1"/>
+</p:sld>
+</file>
+
+<file path=ppt/slides/slide19.xml><?xml version="1.0" encoding="utf-8"?>
+<p:sld xmlns:a="http://schemas.openxmlformats.org/drawingml/2006/main" xmlns:r="http://schemas.openxmlformats.org/officeDocument/2006/relationships" xmlns:p="http://schemas.openxmlformats.org/presentationml/2006/main" showMasterSp="1" showMasterPhAnim="1">
+  <p:cSld>
+    <p:spTree>
+      <p:nvGrpSpPr>
+        <p:cNvPr id="1" name=""/>
+        <p:cNvGrpSpPr/>
+        <p:nvPr/>
+      </p:nvGrpSpPr>
+      <p:grpSpPr>
+        <a:xfrm>
+          <a:off x="0" y="0"/>
+          <a:ext cx="0" cy="0"/>
+          <a:chOff x="0" y="0"/>
+          <a:chExt cx="0" cy="0"/>
+        </a:xfrm>
+      </p:grpSpPr>
+      <p:sp>
+        <p:nvSpPr>
+          <p:cNvPr id="186" name="Tracing"/>
+          <p:cNvSpPr txBox="1"/>
+          <p:nvPr>
+            <p:ph type="title"/>
+          </p:nvPr>
+        </p:nvSpPr>
+        <p:spPr>
+          <a:prstGeom prst="rect">
+            <a:avLst/>
+          </a:prstGeom>
+        </p:spPr>
+        <p:txBody>
+          <a:bodyPr/>
+          <a:lstStyle/>
+          <a:p>
+            <a:pPr/>
+            <a:r>
+              <a:t>Tracing</a:t>
+            </a:r>
+          </a:p>
+        </p:txBody>
+      </p:sp>
+      <p:sp>
+        <p:nvSpPr>
+          <p:cNvPr id="187" name="ZipKin"/>
+          <p:cNvSpPr txBox="1"/>
+          <p:nvPr>
+            <p:ph type="body" idx="1"/>
+          </p:nvPr>
+        </p:nvSpPr>
+        <p:spPr>
+          <a:prstGeom prst="rect">
+            <a:avLst/>
+          </a:prstGeom>
+        </p:spPr>
+        <p:txBody>
+          <a:bodyPr/>
+          <a:lstStyle/>
+          <a:p>
+            <a:pPr/>
+            <a:r>
+              <a:t>ZipKin</a:t>
+            </a:r>
+          </a:p>
+        </p:txBody>
+      </p:sp>
+      <p:pic>
+        <p:nvPicPr>
+          <p:cNvPr id="188" name="Image" descr="Image"/>
+          <p:cNvPicPr>
+            <a:picLocks noChangeAspect="1"/>
+          </p:cNvPicPr>
+          <p:nvPr/>
+        </p:nvPicPr>
+        <p:blipFill>
+          <a:blip r:embed="rId2">
+            <a:extLst/>
+          </a:blip>
+          <a:stretch>
+            <a:fillRect/>
+          </a:stretch>
+        </p:blipFill>
+        <p:spPr>
+          <a:xfrm>
+            <a:off x="9569499" y="7022901"/>
+            <a:ext cx="2540001" cy="2540001"/>
           </a:xfrm>
           <a:prstGeom prst="rect">
             <a:avLst/>
@@ -4341,6 +4549,61 @@
           <a:xfrm>
             <a:off x="8563371" y="4834880"/>
             <a:ext cx="3492501" cy="2324101"/>
+          </a:xfrm>
+          <a:prstGeom prst="rect">
+            <a:avLst/>
+          </a:prstGeom>
+          <a:ln w="12700">
+            <a:miter lim="400000"/>
+          </a:ln>
+        </p:spPr>
+      </p:pic>
+    </p:spTree>
+  </p:cSld>
+  <p:clrMapOvr>
+    <a:masterClrMapping/>
+  </p:clrMapOvr>
+  <p:transition xmlns:p14="http://schemas.microsoft.com/office/powerpoint/2010/main" spd="med" advClick="1"/>
+</p:sld>
+</file>
+
+<file path=ppt/slides/slide20.xml><?xml version="1.0" encoding="utf-8"?>
+<p:sld xmlns:a="http://schemas.openxmlformats.org/drawingml/2006/main" xmlns:r="http://schemas.openxmlformats.org/officeDocument/2006/relationships" xmlns:p="http://schemas.openxmlformats.org/presentationml/2006/main" showMasterSp="1" showMasterPhAnim="1">
+  <p:cSld>
+    <p:spTree>
+      <p:nvGrpSpPr>
+        <p:cNvPr id="1" name=""/>
+        <p:cNvGrpSpPr/>
+        <p:nvPr/>
+      </p:nvGrpSpPr>
+      <p:grpSpPr>
+        <a:xfrm>
+          <a:off x="0" y="0"/>
+          <a:ext cx="0" cy="0"/>
+          <a:chOff x="0" y="0"/>
+          <a:chExt cx="0" cy="0"/>
+        </a:xfrm>
+      </p:grpSpPr>
+      <p:pic>
+        <p:nvPicPr>
+          <p:cNvPr id="190" name="MMicroservicios.png" descr="MMicroservicios.png"/>
+          <p:cNvPicPr>
+            <a:picLocks noChangeAspect="1"/>
+          </p:cNvPicPr>
+          <p:nvPr/>
+        </p:nvPicPr>
+        <p:blipFill>
+          <a:blip r:embed="rId2">
+            <a:extLst/>
+          </a:blip>
+          <a:stretch>
+            <a:fillRect/>
+          </a:stretch>
+        </p:blipFill>
+        <p:spPr>
+          <a:xfrm>
+            <a:off x="153838" y="855084"/>
+            <a:ext cx="13004801" cy="8043432"/>
           </a:xfrm>
           <a:prstGeom prst="rect">
             <a:avLst/>
@@ -4991,7 +5254,7 @@
                   </a:tcPr>
                 </a:tc>
               </a:tr>
-              <a:tr h="2016421">
+              <a:tr h="2330200">
                 <a:tc rowSpan="8">
                   <a:txBody>
                     <a:bodyPr/>
@@ -5030,11 +5293,12 @@
                       </a:pPr>
                       <a:r>
                         <a:t>Horizontal Auto Scaling
+Alta Disponibilidad (Multi-Master)
 Service Discovery
 Load Balancing (Interno)
 Self Healing
 Scheduling / Deployment
-Configuration / Secrets
+Centralized Configuration
 Jobs
 </a:t>
                       </a:r>
@@ -5052,7 +5316,8 @@
                       </a:pPr>
                       <a:r>
                         <a:rPr sz="2500"/>
-                        <a:t>Kubernetes</a:t>
+                        <a:t>Kubernetes
+(Pods, Services, Deployments, ConfigMap, Secrets, Jobs…)</a:t>
                       </a:r>
                     </a:p>
                   </a:txBody>
@@ -5066,7 +5331,7 @@
                   </a:tcPr>
                 </a:tc>
               </a:tr>
-              <a:tr h="478988">
+              <a:tr h="479088">
                 <a:tc vMerge="1">
                   <a:tcPr/>
                 </a:tc>
@@ -5110,7 +5375,7 @@
                   </a:tcPr>
                 </a:tc>
               </a:tr>
-              <a:tr h="458748">
+              <a:tr h="390833">
                 <a:tc vMerge="1">
                   <a:tcPr/>
                 </a:tc>
@@ -5155,7 +5420,7 @@
                   </a:tcPr>
                 </a:tc>
               </a:tr>
-              <a:tr h="529739">
+              <a:tr h="404138">
                 <a:tc vMerge="1">
                   <a:tcPr/>
                 </a:tc>
@@ -5199,7 +5464,7 @@
                   </a:tcPr>
                 </a:tc>
               </a:tr>
-              <a:tr h="228312">
+              <a:tr h="107950">
                 <a:tc vMerge="1">
                   <a:tcPr/>
                 </a:tc>
@@ -5243,7 +5508,7 @@
                   </a:tcPr>
                 </a:tc>
               </a:tr>
-              <a:tr h="405914">
+              <a:tr h="371386">
                 <a:tc vMerge="1">
                   <a:tcPr/>
                 </a:tc>
@@ -5254,7 +5519,7 @@
                   <a:tcPr/>
                 </a:tc>
               </a:tr>
-              <a:tr h="392016">
+              <a:tr h="398961">
                 <a:tc vMerge="1">
                   <a:tcPr/>
                 </a:tc>
@@ -5298,7 +5563,7 @@
                   </a:tcPr>
                 </a:tc>
               </a:tr>
-              <a:tr h="363759">
+              <a:tr h="391341">
                 <a:tc vMerge="1">
                   <a:tcPr/>
                 </a:tc>
@@ -5328,7 +5593,7 @@
                       </a:pPr>
                       <a:r>
                         <a:rPr sz="2000"/>
-                        <a:t>?</a:t>
+                        <a:t>ZipKin</a:t>
                       </a:r>
                     </a:p>
                   </a:txBody>
@@ -5382,7 +5647,7 @@
                       <a:r>
                         <a:rPr sz="1900"/>
                         <a:t>Load Balancing (Externo)
-Alta Disponibilidad
+Alta Disponibilidad (Multi-Zone)
 CDN</a:t>
                       </a:r>
                     </a:p>
@@ -6216,7 +6481,7 @@
               <a:defRPr sz="2560"/>
             </a:pPr>
             <a:r>
-              <a:t>Muchos plugins</a:t>
+              <a:t>Muchos plugins (incluyendo Docker y Kubernetes)</a:t>
             </a:r>
           </a:p>
           <a:p>
@@ -6338,8 +6603,8 @@
         </p:blipFill>
         <p:spPr>
           <a:xfrm>
-            <a:off x="8416875" y="2537717"/>
-            <a:ext cx="3378201" cy="2400301"/>
+            <a:off x="10291080" y="4486568"/>
+            <a:ext cx="1864991" cy="1325126"/>
           </a:xfrm>
           <a:prstGeom prst="rect">
             <a:avLst/>
@@ -6367,8 +6632,8 @@
         </p:blipFill>
         <p:spPr>
           <a:xfrm>
-            <a:off x="9304525" y="7694859"/>
-            <a:ext cx="1602901" cy="1479602"/>
+            <a:off x="10608058" y="7568221"/>
+            <a:ext cx="1231035" cy="1136340"/>
           </a:xfrm>
           <a:prstGeom prst="rect">
             <a:avLst/>

--- a/pres.pptx
+++ b/pres.pptx
@@ -28,6 +28,7 @@
     <p:sldId id="273" r:id="rId25"/>
     <p:sldId id="274" r:id="rId26"/>
     <p:sldId id="275" r:id="rId27"/>
+    <p:sldId id="276" r:id="rId28"/>
   </p:sldIdLst>
   <p:sldSz cx="13004800" cy="9753600"/>
   <p:notesSz cx="6858000" cy="9144000"/>
@@ -3032,13 +3033,21 @@
           </p:nvPr>
         </p:nvSpPr>
         <p:spPr>
+          <a:xfrm>
+            <a:off x="1270000" y="3394992"/>
+            <a:ext cx="10464800" cy="2963616"/>
+          </a:xfrm>
           <a:prstGeom prst="rect">
             <a:avLst/>
           </a:prstGeom>
         </p:spPr>
         <p:txBody>
           <a:bodyPr/>
-          <a:lstStyle/>
+          <a:lstStyle>
+            <a:lvl1pPr>
+              <a:defRPr sz="9200"/>
+            </a:lvl1pPr>
+          </a:lstStyle>
           <a:p>
             <a:pPr/>
             <a:r>
@@ -3047,6 +3056,80 @@
           </a:p>
         </p:txBody>
       </p:sp>
+      <p:sp>
+        <p:nvSpPr>
+          <p:cNvPr id="120" name="https://github.com/Guillaume-Mayer/micropoc.git"/>
+          <p:cNvSpPr txBox="1"/>
+          <p:nvPr/>
+        </p:nvSpPr>
+        <p:spPr>
+          <a:xfrm>
+            <a:off x="177673" y="9172828"/>
+            <a:ext cx="5105655" cy="399544"/>
+          </a:xfrm>
+          <a:prstGeom prst="rect">
+            <a:avLst/>
+          </a:prstGeom>
+          <a:ln w="12700">
+            <a:miter lim="400000"/>
+          </a:ln>
+          <a:extLst>
+            <a:ext uri="{C572A759-6A51-4108-AA02-DFA0A04FC94B}">
+              <ma14:wrappingTextBoxFlag xmlns:ma14="http://schemas.microsoft.com/office/mac/drawingml/2011/main" val="1"/>
+            </a:ext>
+          </a:extLst>
+        </p:spPr>
+        <p:txBody>
+          <a:bodyPr wrap="none" lIns="50800" tIns="50800" rIns="50800" bIns="50800" anchor="ctr">
+            <a:spAutoFit/>
+          </a:bodyPr>
+          <a:lstStyle>
+            <a:lvl1pPr>
+              <a:defRPr b="0" i="1" sz="2000">
+                <a:latin typeface="Helvetica Neue UltraLight"/>
+                <a:ea typeface="Helvetica Neue UltraLight"/>
+                <a:cs typeface="Helvetica Neue UltraLight"/>
+                <a:sym typeface="Helvetica Neue UltraLight"/>
+              </a:defRPr>
+            </a:lvl1pPr>
+          </a:lstStyle>
+          <a:p>
+            <a:pPr/>
+            <a:r>
+              <a:t>https://github.com/Guillaume-Mayer/micropoc.git</a:t>
+            </a:r>
+          </a:p>
+        </p:txBody>
+      </p:sp>
+      <p:pic>
+        <p:nvPicPr>
+          <p:cNvPr id="121" name="Logo copy.png" descr="Logo copy.png"/>
+          <p:cNvPicPr>
+            <a:picLocks noChangeAspect="1"/>
+          </p:cNvPicPr>
+          <p:nvPr/>
+        </p:nvPicPr>
+        <p:blipFill>
+          <a:blip r:embed="rId2">
+            <a:extLst/>
+          </a:blip>
+          <a:stretch>
+            <a:fillRect/>
+          </a:stretch>
+        </p:blipFill>
+        <p:spPr>
+          <a:xfrm>
+            <a:off x="10430458" y="8652755"/>
+            <a:ext cx="2275458" cy="944270"/>
+          </a:xfrm>
+          <a:prstGeom prst="rect">
+            <a:avLst/>
+          </a:prstGeom>
+          <a:ln w="12700">
+            <a:miter lim="400000"/>
+          </a:ln>
+        </p:spPr>
+      </p:pic>
     </p:spTree>
   </p:cSld>
   <p:clrMapOvr>
@@ -3075,7 +3158,7 @@
       </p:grpSpPr>
       <p:pic>
         <p:nvPicPr>
-          <p:cNvPr id="152" name="Image" descr="Image"/>
+          <p:cNvPr id="160" name="Image" descr="Image"/>
           <p:cNvPicPr>
             <a:picLocks noChangeAspect="1"/>
           </p:cNvPicPr>
@@ -3104,7 +3187,7 @@
       </p:pic>
       <p:sp>
         <p:nvSpPr>
-          <p:cNvPr id="153" name="Kubernetes + Jenkins ="/>
+          <p:cNvPr id="161" name="Kubernetes + Jenkins ="/>
           <p:cNvSpPr txBox="1"/>
           <p:nvPr/>
         </p:nvSpPr>
@@ -3144,7 +3227,7 @@
       </p:sp>
       <p:pic>
         <p:nvPicPr>
-          <p:cNvPr id="154" name="Image" descr="Image"/>
+          <p:cNvPr id="162" name="Image" descr="Image"/>
           <p:cNvPicPr>
             <a:picLocks noChangeAspect="1"/>
           </p:cNvPicPr>
@@ -3199,7 +3282,7 @@
       </p:grpSpPr>
       <p:sp>
         <p:nvSpPr>
-          <p:cNvPr id="156" name="Revisión de Kubernetes"/>
+          <p:cNvPr id="164" name="Revisión de Kubernetes"/>
           <p:cNvSpPr txBox="1"/>
           <p:nvPr>
             <p:ph type="title"/>
@@ -3227,7 +3310,7 @@
       </p:sp>
       <p:pic>
         <p:nvPicPr>
-          <p:cNvPr id="157" name="kubernetes_logo.png" descr="kubernetes_logo.png"/>
+          <p:cNvPr id="165" name="kubernetes_logo.png" descr="kubernetes_logo.png"/>
           <p:cNvPicPr>
             <a:picLocks noChangeAspect="1"/>
           </p:cNvPicPr>
@@ -3282,7 +3365,7 @@
       </p:grpSpPr>
       <p:pic>
         <p:nvPicPr>
-          <p:cNvPr id="159" name="ArchiOverView.png" descr="ArchiOverView.png"/>
+          <p:cNvPr id="167" name="ArchiOverView.png" descr="ArchiOverView.png"/>
           <p:cNvPicPr>
             <a:picLocks noChangeAspect="1"/>
           </p:cNvPicPr>
@@ -3337,7 +3420,7 @@
       </p:grpSpPr>
       <p:pic>
         <p:nvPicPr>
-          <p:cNvPr id="161" name="Image" descr="Image"/>
+          <p:cNvPr id="169" name="Image" descr="Image"/>
           <p:cNvPicPr>
             <a:picLocks noChangeAspect="1"/>
           </p:cNvPicPr>
@@ -3366,7 +3449,7 @@
       </p:pic>
       <p:sp>
         <p:nvSpPr>
-          <p:cNvPr id="162" name="Arquitectura de un cluster Kubernetes"/>
+          <p:cNvPr id="170" name="Arquitectura de un cluster Kubernetes"/>
           <p:cNvSpPr txBox="1"/>
           <p:nvPr/>
         </p:nvSpPr>
@@ -3406,7 +3489,7 @@
       </p:sp>
       <p:sp>
         <p:nvSpPr>
-          <p:cNvPr id="163" name="Kubernetes soporta también el modo multi-master (Alta disponibilidad)"/>
+          <p:cNvPr id="171" name="Kubernetes soporta también el modo multi-master (Alta disponibilidad)"/>
           <p:cNvSpPr txBox="1"/>
           <p:nvPr/>
         </p:nvSpPr>
@@ -3468,7 +3551,7 @@
       </p:grpSpPr>
       <p:pic>
         <p:nvPicPr>
-          <p:cNvPr id="165" name="dashboard-ui.png" descr="dashboard-ui.png"/>
+          <p:cNvPr id="173" name="dashboard-ui.png" descr="dashboard-ui.png"/>
           <p:cNvPicPr>
             <a:picLocks noChangeAspect="1"/>
           </p:cNvPicPr>
@@ -3484,8 +3567,8 @@
         </p:blipFill>
         <p:spPr>
           <a:xfrm>
-            <a:off x="311723" y="154285"/>
-            <a:ext cx="12381354" cy="9753601"/>
+            <a:off x="1093146" y="1385441"/>
+            <a:ext cx="10818508" cy="8522445"/>
           </a:xfrm>
           <a:prstGeom prst="rect">
             <a:avLst/>
@@ -3495,6 +3578,46 @@
           </a:ln>
         </p:spPr>
       </p:pic>
+      <p:sp>
+        <p:nvSpPr>
+          <p:cNvPr id="174" name="Kubernetes Dashboard"/>
+          <p:cNvSpPr txBox="1"/>
+          <p:nvPr/>
+        </p:nvSpPr>
+        <p:spPr>
+          <a:xfrm>
+            <a:off x="4202328" y="558344"/>
+            <a:ext cx="4600144" cy="585112"/>
+          </a:xfrm>
+          <a:prstGeom prst="rect">
+            <a:avLst/>
+          </a:prstGeom>
+          <a:ln w="12700">
+            <a:miter lim="400000"/>
+          </a:ln>
+          <a:extLst>
+            <a:ext uri="{C572A759-6A51-4108-AA02-DFA0A04FC94B}">
+              <ma14:wrappingTextBoxFlag xmlns:ma14="http://schemas.microsoft.com/office/mac/drawingml/2011/main" val="1"/>
+            </a:ext>
+          </a:extLst>
+        </p:spPr>
+        <p:txBody>
+          <a:bodyPr wrap="none" lIns="50800" tIns="50800" rIns="50800" bIns="50800" anchor="ctr">
+            <a:spAutoFit/>
+          </a:bodyPr>
+          <a:lstStyle>
+            <a:lvl1pPr>
+              <a:defRPr sz="3200"/>
+            </a:lvl1pPr>
+          </a:lstStyle>
+          <a:p>
+            <a:pPr/>
+            <a:r>
+              <a:t>Kubernetes Dashboard</a:t>
+            </a:r>
+          </a:p>
+        </p:txBody>
+      </p:sp>
     </p:spTree>
   </p:cSld>
   <p:clrMapOvr>
@@ -3523,7 +3646,7 @@
       </p:grpSpPr>
       <p:sp>
         <p:nvSpPr>
-          <p:cNvPr id="167" name="API Gateway"/>
+          <p:cNvPr id="176" name="API Gateway"/>
           <p:cNvSpPr txBox="1"/>
           <p:nvPr>
             <p:ph type="title"/>
@@ -3547,7 +3670,7 @@
       </p:sp>
       <p:sp>
         <p:nvSpPr>
-          <p:cNvPr id="168" name="As a Microservice…"/>
+          <p:cNvPr id="177" name="As a Microservice…"/>
           <p:cNvSpPr txBox="1"/>
           <p:nvPr>
             <p:ph type="body" idx="1"/>
@@ -3655,7 +3778,7 @@
       </p:sp>
       <p:pic>
         <p:nvPicPr>
-          <p:cNvPr id="169" name="Image" descr="Image"/>
+          <p:cNvPr id="178" name="Image" descr="Image"/>
           <p:cNvPicPr>
             <a:picLocks noChangeAspect="1"/>
           </p:cNvPicPr>
@@ -3671,7 +3794,7 @@
         </p:blipFill>
         <p:spPr>
           <a:xfrm>
-            <a:off x="7012394" y="3341804"/>
+            <a:off x="6936194" y="4014904"/>
             <a:ext cx="5295295" cy="5251532"/>
           </a:xfrm>
           <a:prstGeom prst="rect">
@@ -3684,7 +3807,7 @@
       </p:pic>
       <p:pic>
         <p:nvPicPr>
-          <p:cNvPr id="170" name="Image" descr="Image"/>
+          <p:cNvPr id="179" name="Image" descr="Image"/>
           <p:cNvPicPr>
             <a:picLocks noChangeAspect="1"/>
           </p:cNvPicPr>
@@ -3713,13 +3836,13 @@
       </p:pic>
       <p:sp>
         <p:nvSpPr>
-          <p:cNvPr id="171" name="*Haz Lo Tu Mismo"/>
+          <p:cNvPr id="180" name="*Haz Lo Tu Mismo"/>
           <p:cNvSpPr txBox="1"/>
           <p:nvPr/>
         </p:nvSpPr>
         <p:spPr>
           <a:xfrm>
-            <a:off x="-419101" y="9486899"/>
+            <a:off x="-419100" y="9486899"/>
             <a:ext cx="1597280" cy="254001"/>
           </a:xfrm>
           <a:prstGeom prst="rect">
@@ -3785,7 +3908,7 @@
       </p:grpSpPr>
       <p:sp>
         <p:nvSpPr>
-          <p:cNvPr id="173" name="Circuit Breaker"/>
+          <p:cNvPr id="182" name="Circuit Breaker"/>
           <p:cNvSpPr txBox="1"/>
           <p:nvPr>
             <p:ph type="title"/>
@@ -3809,7 +3932,7 @@
       </p:sp>
       <p:sp>
         <p:nvSpPr>
-          <p:cNvPr id="174" name="Hystrix…"/>
+          <p:cNvPr id="183" name="Hystrix…"/>
           <p:cNvSpPr txBox="1"/>
           <p:nvPr>
             <p:ph type="body" idx="1"/>
@@ -3839,7 +3962,7 @@
       </p:sp>
       <p:pic>
         <p:nvPicPr>
-          <p:cNvPr id="175" name="Image" descr="Image"/>
+          <p:cNvPr id="184" name="Image" descr="Image"/>
           <p:cNvPicPr>
             <a:picLocks noChangeAspect="1"/>
           </p:cNvPicPr>
@@ -3894,7 +4017,7 @@
       </p:grpSpPr>
       <p:sp>
         <p:nvSpPr>
-          <p:cNvPr id="177" name="Monitoring &amp; Metrics"/>
+          <p:cNvPr id="186" name="Monitoring &amp; Metrics"/>
           <p:cNvSpPr txBox="1"/>
           <p:nvPr>
             <p:ph type="title"/>
@@ -3922,7 +4045,7 @@
       </p:sp>
       <p:sp>
         <p:nvSpPr>
-          <p:cNvPr id="178" name="Heapster con InfluxDB y Grafana para visualización…"/>
+          <p:cNvPr id="187" name="Heapster con InfluxDB y Grafana para visualización…"/>
           <p:cNvSpPr txBox="1"/>
           <p:nvPr>
             <p:ph type="body" idx="1"/>
@@ -4030,7 +4153,7 @@
       </p:sp>
       <p:pic>
         <p:nvPicPr>
-          <p:cNvPr id="179" name="Image" descr="Image"/>
+          <p:cNvPr id="188" name="Image" descr="Image"/>
           <p:cNvPicPr>
             <a:picLocks noChangeAspect="1"/>
           </p:cNvPicPr>
@@ -4085,7 +4208,7 @@
       </p:grpSpPr>
       <p:sp>
         <p:nvSpPr>
-          <p:cNvPr id="181" name="Logging"/>
+          <p:cNvPr id="190" name="Logging"/>
           <p:cNvSpPr txBox="1"/>
           <p:nvPr>
             <p:ph type="title"/>
@@ -4113,7 +4236,7 @@
       </p:sp>
       <p:sp>
         <p:nvSpPr>
-          <p:cNvPr id="182" name="EFK/ELK…"/>
+          <p:cNvPr id="191" name="EFK/ELK…"/>
           <p:cNvSpPr txBox="1"/>
           <p:nvPr>
             <p:ph type="body" idx="1"/>
@@ -4201,7 +4324,7 @@
       </p:sp>
       <p:pic>
         <p:nvPicPr>
-          <p:cNvPr id="183" name="Image" descr="Image"/>
+          <p:cNvPr id="192" name="Image" descr="Image"/>
           <p:cNvPicPr>
             <a:picLocks noChangeAspect="1"/>
           </p:cNvPicPr>
@@ -4230,7 +4353,7 @@
       </p:pic>
       <p:pic>
         <p:nvPicPr>
-          <p:cNvPr id="184" name="Image" descr="Image"/>
+          <p:cNvPr id="193" name="Image" descr="Image"/>
           <p:cNvPicPr>
             <a:picLocks noChangeAspect="1"/>
           </p:cNvPicPr>
@@ -4285,7 +4408,7 @@
       </p:grpSpPr>
       <p:sp>
         <p:nvSpPr>
-          <p:cNvPr id="186" name="Tracing"/>
+          <p:cNvPr id="195" name="Tracing"/>
           <p:cNvSpPr txBox="1"/>
           <p:nvPr>
             <p:ph type="title"/>
@@ -4309,7 +4432,7 @@
       </p:sp>
       <p:sp>
         <p:nvSpPr>
-          <p:cNvPr id="187" name="ZipKin"/>
+          <p:cNvPr id="196" name="ZipKin"/>
           <p:cNvSpPr txBox="1"/>
           <p:nvPr>
             <p:ph type="body" idx="1"/>
@@ -4333,7 +4456,7 @@
       </p:sp>
       <p:pic>
         <p:nvPicPr>
-          <p:cNvPr id="188" name="Image" descr="Image"/>
+          <p:cNvPr id="197" name="Image" descr="Image"/>
           <p:cNvPicPr>
             <a:picLocks noChangeAspect="1"/>
           </p:cNvPicPr>
@@ -4388,7 +4511,7 @@
       </p:grpSpPr>
       <p:sp>
         <p:nvSpPr>
-          <p:cNvPr id="121" name="Microservices…"/>
+          <p:cNvPr id="123" name="Microservices…"/>
           <p:cNvSpPr txBox="1"/>
           <p:nvPr>
             <p:ph type="body" idx="1"/>
@@ -4396,7 +4519,7 @@
         </p:nvSpPr>
         <p:spPr>
           <a:xfrm>
-            <a:off x="952500" y="995312"/>
+            <a:off x="952500" y="935806"/>
             <a:ext cx="11099800" cy="7881988"/>
           </a:xfrm>
           <a:prstGeom prst="rect">
@@ -4407,131 +4530,179 @@
           <a:bodyPr/>
           <a:lstStyle/>
           <a:p>
-            <a:pPr marL="373379" indent="-373379" defTabSz="490727">
-              <a:spcBef>
-                <a:spcPts val="3500"/>
-              </a:spcBef>
-              <a:defRPr b="1" sz="2940"/>
+            <a:pPr marL="355599" indent="-355599" defTabSz="467359">
+              <a:spcBef>
+                <a:spcPts val="3300"/>
+              </a:spcBef>
+              <a:defRPr b="1" sz="3040"/>
             </a:pPr>
             <a:r>
               <a:t>Microservices</a:t>
             </a:r>
           </a:p>
           <a:p>
-            <a:pPr lvl="1" marL="746759" indent="-373379" defTabSz="490727">
-              <a:spcBef>
-                <a:spcPts val="2600"/>
-              </a:spcBef>
-              <a:defRPr sz="2520"/>
+            <a:pPr lvl="1" marL="711200" indent="-355600" defTabSz="467359">
+              <a:spcBef>
+                <a:spcPts val="700"/>
+              </a:spcBef>
+              <a:defRPr sz="2400"/>
             </a:pPr>
             <a:r>
               <a:t>Patrón recomendado en Mesh And Service Architecture (MASA)</a:t>
             </a:r>
           </a:p>
           <a:p>
-            <a:pPr lvl="1" marL="746759" indent="-373379" defTabSz="490727">
-              <a:spcBef>
-                <a:spcPts val="2600"/>
-              </a:spcBef>
-              <a:defRPr sz="2520"/>
+            <a:pPr lvl="1" marL="711200" indent="-355600" defTabSz="467359">
+              <a:spcBef>
+                <a:spcPts val="1600"/>
+              </a:spcBef>
+              <a:defRPr sz="2400"/>
             </a:pPr>
             <a:r>
               <a:t>Se trata de descomponer una aplicación en varios pequeños servicios independientes</a:t>
             </a:r>
           </a:p>
           <a:p>
-            <a:pPr lvl="1" marL="746759" indent="-373379" defTabSz="490727">
-              <a:spcBef>
-                <a:spcPts val="2600"/>
-              </a:spcBef>
-              <a:defRPr sz="2520"/>
+            <a:pPr lvl="1" marL="711200" indent="-355600" defTabSz="467359">
+              <a:spcBef>
+                <a:spcPts val="1600"/>
+              </a:spcBef>
+              <a:defRPr sz="2400"/>
             </a:pPr>
             <a:r>
-              <a:t>Micro-service = Servicio Independiente en: su stack tecnológico, su equipo de desarrollo, su despliegue, sus datas, …</a:t>
-            </a:r>
-          </a:p>
-          <a:p>
-            <a:pPr marL="373379" indent="-373379" defTabSz="490727">
-              <a:spcBef>
-                <a:spcPts val="3500"/>
-              </a:spcBef>
-              <a:defRPr b="1" sz="2940"/>
+              <a:t>Independencia de un micro-servicio</a:t>
+            </a:r>
+          </a:p>
+          <a:p>
+            <a:pPr lvl="2" marL="1066800" indent="-355600" defTabSz="467359">
+              <a:spcBef>
+                <a:spcPts val="700"/>
+              </a:spcBef>
+              <a:defRPr sz="2400"/>
             </a:pPr>
             <a:r>
+              <a:t>Stack tecnológico</a:t>
+            </a:r>
+          </a:p>
+          <a:p>
+            <a:pPr lvl="2" marL="1066800" indent="-355600" defTabSz="467359">
+              <a:spcBef>
+                <a:spcPts val="700"/>
+              </a:spcBef>
+              <a:defRPr sz="2400"/>
+            </a:pPr>
+            <a:r>
+              <a:t>Equipo de desarrollo</a:t>
+            </a:r>
+          </a:p>
+          <a:p>
+            <a:pPr lvl="2" marL="1066800" indent="-355600" defTabSz="467359">
+              <a:spcBef>
+                <a:spcPts val="700"/>
+              </a:spcBef>
+              <a:defRPr sz="2400"/>
+            </a:pPr>
+            <a:r>
+              <a:t>Datas</a:t>
+            </a:r>
+          </a:p>
+          <a:p>
+            <a:pPr lvl="2" marL="1066800" indent="-355600" defTabSz="467359">
+              <a:spcBef>
+                <a:spcPts val="700"/>
+              </a:spcBef>
+              <a:defRPr sz="2400"/>
+            </a:pPr>
+            <a:r>
+              <a:t>Despliegue</a:t>
+            </a:r>
+          </a:p>
+          <a:p>
+            <a:pPr marL="355599" indent="-355599" defTabSz="467359">
+              <a:spcBef>
+                <a:spcPts val="1800"/>
+              </a:spcBef>
+              <a:defRPr b="1" sz="3040"/>
+            </a:pPr>
+            <a:r>
               <a:t>Contenedores</a:t>
             </a:r>
           </a:p>
           <a:p>
-            <a:pPr lvl="1" marL="746759" indent="-373379" defTabSz="490727">
-              <a:spcBef>
-                <a:spcPts val="2600"/>
-              </a:spcBef>
-              <a:defRPr sz="2520"/>
+            <a:pPr lvl="1" marL="711200" indent="-355600" defTabSz="467359">
+              <a:spcBef>
+                <a:spcPts val="700"/>
+              </a:spcBef>
+              <a:defRPr sz="2400"/>
             </a:pPr>
             <a:r>
               <a:t>Facilitan</a:t>
             </a:r>
           </a:p>
           <a:p>
-            <a:pPr lvl="2" marL="1120139" indent="-373379" defTabSz="490727">
+            <a:pPr lvl="2" marL="1066800" indent="-355600" defTabSz="467359">
               <a:spcBef>
                 <a:spcPts val="600"/>
               </a:spcBef>
-              <a:defRPr sz="2520"/>
+              <a:defRPr sz="2400"/>
             </a:pPr>
             <a:r>
               <a:t>Aislamiento</a:t>
             </a:r>
           </a:p>
           <a:p>
-            <a:pPr lvl="2" marL="1120139" indent="-373379" defTabSz="490727">
+            <a:pPr lvl="2" marL="1066800" indent="-355600" defTabSz="467359">
               <a:spcBef>
                 <a:spcPts val="600"/>
               </a:spcBef>
-              <a:defRPr sz="2520"/>
+              <a:defRPr sz="2400"/>
             </a:pPr>
             <a:r>
               <a:t>Despliegue</a:t>
             </a:r>
           </a:p>
           <a:p>
-            <a:pPr lvl="2" marL="1120139" indent="-373379" defTabSz="490727">
+            <a:pPr lvl="2" marL="1066800" indent="-355600" defTabSz="467359">
               <a:spcBef>
                 <a:spcPts val="600"/>
               </a:spcBef>
-              <a:defRPr sz="2520"/>
+              <a:defRPr sz="2400"/>
             </a:pPr>
             <a:r>
               <a:t>Automatización</a:t>
             </a:r>
           </a:p>
           <a:p>
-            <a:pPr lvl="1" marL="746759" indent="-373379" defTabSz="490727">
-              <a:spcBef>
-                <a:spcPts val="2600"/>
-              </a:spcBef>
-              <a:defRPr sz="2520"/>
+            <a:pPr lvl="1" marL="711200" indent="-355600" defTabSz="467359">
+              <a:spcBef>
+                <a:spcPts val="700"/>
+              </a:spcBef>
+              <a:defRPr sz="2400"/>
             </a:pPr>
             <a:r>
               <a:t>Son la mejor base para ejecutar una aplicación micro-services</a:t>
             </a:r>
           </a:p>
           <a:p>
-            <a:pPr lvl="1" marL="746759" indent="-373379" defTabSz="490727">
-              <a:spcBef>
-                <a:spcPts val="2600"/>
-              </a:spcBef>
-              <a:defRPr sz="2520"/>
+            <a:pPr lvl="1" marL="711200" indent="-355600" defTabSz="467359">
+              <a:spcBef>
+                <a:spcPts val="1000"/>
+              </a:spcBef>
+              <a:defRPr sz="2400"/>
             </a:pPr>
             <a:r>
-              <a:t>Cumplen con DevOps</a:t>
+              <a:t>Cumplen con </a:t>
+            </a:r>
+            <a:r>
+              <a:rPr b="1"/>
+              <a:t>DevOps</a:t>
             </a:r>
           </a:p>
         </p:txBody>
       </p:sp>
       <p:pic>
         <p:nvPicPr>
-          <p:cNvPr id="122" name="Image" descr="Image"/>
+          <p:cNvPr id="124" name="Image" descr="Image"/>
           <p:cNvPicPr>
             <a:picLocks noChangeAspect="1"/>
           </p:cNvPicPr>
@@ -4547,8 +4718,8 @@
         </p:blipFill>
         <p:spPr>
           <a:xfrm>
-            <a:off x="8563371" y="4834880"/>
-            <a:ext cx="3492501" cy="2324101"/>
+            <a:off x="7699771" y="4578350"/>
+            <a:ext cx="3492501" cy="2324100"/>
           </a:xfrm>
           <a:prstGeom prst="rect">
             <a:avLst/>
@@ -4586,7 +4757,7 @@
       </p:grpSpPr>
       <p:pic>
         <p:nvPicPr>
-          <p:cNvPr id="190" name="MMicroservicios.png" descr="MMicroservicios.png"/>
+          <p:cNvPr id="199" name="MMicroservicios.png" descr="MMicroservicios.png"/>
           <p:cNvPicPr>
             <a:picLocks noChangeAspect="1"/>
           </p:cNvPicPr>
@@ -4604,6 +4775,61 @@
           <a:xfrm>
             <a:off x="153838" y="855084"/>
             <a:ext cx="13004801" cy="8043432"/>
+          </a:xfrm>
+          <a:prstGeom prst="rect">
+            <a:avLst/>
+          </a:prstGeom>
+          <a:ln w="12700">
+            <a:miter lim="400000"/>
+          </a:ln>
+        </p:spPr>
+      </p:pic>
+    </p:spTree>
+  </p:cSld>
+  <p:clrMapOvr>
+    <a:masterClrMapping/>
+  </p:clrMapOvr>
+  <p:transition xmlns:p14="http://schemas.microsoft.com/office/powerpoint/2010/main" spd="med" advClick="1"/>
+</p:sld>
+</file>
+
+<file path=ppt/slides/slide21.xml><?xml version="1.0" encoding="utf-8"?>
+<p:sld xmlns:a="http://schemas.openxmlformats.org/drawingml/2006/main" xmlns:r="http://schemas.openxmlformats.org/officeDocument/2006/relationships" xmlns:p="http://schemas.openxmlformats.org/presentationml/2006/main" showMasterSp="1" showMasterPhAnim="1">
+  <p:cSld>
+    <p:spTree>
+      <p:nvGrpSpPr>
+        <p:cNvPr id="1" name=""/>
+        <p:cNvGrpSpPr/>
+        <p:nvPr/>
+      </p:nvGrpSpPr>
+      <p:grpSpPr>
+        <a:xfrm>
+          <a:off x="0" y="0"/>
+          <a:ext cx="0" cy="0"/>
+          <a:chOff x="0" y="0"/>
+          <a:chExt cx="0" cy="0"/>
+        </a:xfrm>
+      </p:grpSpPr>
+      <p:pic>
+        <p:nvPicPr>
+          <p:cNvPr id="201" name="Logo copy.png" descr="Logo copy.png"/>
+          <p:cNvPicPr>
+            <a:picLocks noChangeAspect="1"/>
+          </p:cNvPicPr>
+          <p:nvPr/>
+        </p:nvPicPr>
+        <p:blipFill>
+          <a:blip r:embed="rId2">
+            <a:extLst/>
+          </a:blip>
+          <a:stretch>
+            <a:fillRect/>
+          </a:stretch>
+        </p:blipFill>
+        <p:spPr>
+          <a:xfrm>
+            <a:off x="228600" y="2273300"/>
+            <a:ext cx="12547600" cy="5207000"/>
           </a:xfrm>
           <a:prstGeom prst="rect">
             <a:avLst/>
@@ -4641,7 +4867,7 @@
       </p:grpSpPr>
       <p:sp>
         <p:nvSpPr>
-          <p:cNvPr id="124" name="Kubernetes la lleva"/>
+          <p:cNvPr id="126" name="Kubernetes la lleva"/>
           <p:cNvSpPr txBox="1"/>
           <p:nvPr>
             <p:ph type="title"/>
@@ -4669,7 +4895,7 @@
       </p:sp>
       <p:sp>
         <p:nvSpPr>
-          <p:cNvPr id="125" name="Abstracción de Infra-estructura: Ejecuta aplicaciones en un cluster sin preocuparse de las maquinas o de la red donde están.…"/>
+          <p:cNvPr id="127" name="Abstracción de Infra-estructura: Ejecuta aplicaciones en un cluster sin preocuparse de las maquinas o de la red donde están.…"/>
           <p:cNvSpPr txBox="1"/>
           <p:nvPr>
             <p:ph type="body" idx="1"/>
@@ -4717,7 +4943,7 @@
               <a:defRPr sz="2342"/>
             </a:pPr>
             <a:r>
-              <a:t>Un Kubernete Service es casi equivalente a un Micro-Service</a:t>
+              <a:t>Un Kubernete Service es casi equivalente a un micro servicio</a:t>
             </a:r>
           </a:p>
           <a:p>
@@ -4772,7 +4998,7 @@
               <a:defRPr sz="2342"/>
             </a:pPr>
             <a:r>
-              <a:t>Se puede integrar con cualquier Cloud Provider (Azure, Google Cloud Platform, AWS…)</a:t>
+              <a:t>Se puede integrar con cualquier Cloud Provider (Azure, Google Cloud, AWS…)</a:t>
             </a:r>
           </a:p>
           <a:p>
@@ -4816,7 +5042,7 @@
       </p:grpSpPr>
       <p:graphicFrame>
         <p:nvGraphicFramePr>
-          <p:cNvPr id="127" name="Table"/>
+          <p:cNvPr id="129" name="Table"/>
           <p:cNvGraphicFramePr/>
           <p:nvPr/>
         </p:nvGraphicFramePr>
@@ -5723,7 +5949,7 @@
       </p:grpSpPr>
       <p:sp>
         <p:nvSpPr>
-          <p:cNvPr id="129" name="FrontEnd"/>
+          <p:cNvPr id="131" name="FrontEnd"/>
           <p:cNvSpPr txBox="1"/>
           <p:nvPr>
             <p:ph type="title"/>
@@ -5751,7 +5977,7 @@
       </p:sp>
       <p:sp>
         <p:nvSpPr>
-          <p:cNvPr id="130" name="Varios canales implicando varias tecnologias…"/>
+          <p:cNvPr id="132" name="Varios canales implicando varias tecnologias…"/>
           <p:cNvSpPr txBox="1"/>
           <p:nvPr>
             <p:ph type="body" idx="1"/>
@@ -5839,7 +6065,7 @@
       </p:sp>
       <p:pic>
         <p:nvPicPr>
-          <p:cNvPr id="131" name="Image" descr="Image"/>
+          <p:cNvPr id="133" name="Image" descr="Image"/>
           <p:cNvPicPr>
             <a:picLocks noChangeAspect="1"/>
           </p:cNvPicPr>
@@ -5894,7 +6120,7 @@
       </p:grpSpPr>
       <p:sp>
         <p:nvSpPr>
-          <p:cNvPr id="133" name="HATEOAS"/>
+          <p:cNvPr id="135" name="HATEOAS"/>
           <p:cNvSpPr txBox="1"/>
           <p:nvPr>
             <p:ph type="title"/>
@@ -5918,13 +6144,17 @@
       </p:sp>
       <p:sp>
         <p:nvSpPr>
-          <p:cNvPr id="134" name="Responsabilidad del desarrollo…"/>
+          <p:cNvPr id="136" name="Responsabilidad del desarrollo…"/>
           <p:cNvSpPr txBox="1"/>
           <p:nvPr>
             <p:ph type="body" idx="1"/>
           </p:nvPr>
         </p:nvSpPr>
         <p:spPr>
+          <a:xfrm>
+            <a:off x="571500" y="1849536"/>
+            <a:ext cx="11099800" cy="6286501"/>
+          </a:xfrm>
           <a:prstGeom prst="rect">
             <a:avLst/>
           </a:prstGeom>
@@ -5933,11 +6163,29 @@
           <a:bodyPr/>
           <a:lstStyle/>
           <a:p>
-            <a:pPr marL="444499" indent="-444499">
-              <a:defRPr sz="3500"/>
+            <a:pPr/>
+            <a:r>
+              <a:t>Responsabilidad del desarrollo</a:t>
+            </a:r>
+          </a:p>
+          <a:p>
+            <a:pPr lvl="1">
+              <a:spcBef>
+                <a:spcPts val="1000"/>
+              </a:spcBef>
             </a:pPr>
             <a:r>
-              <a:t>Responsabilidad del desarrollo</a:t>
+              <a:t>Especificación común</a:t>
+            </a:r>
+          </a:p>
+          <a:p>
+            <a:pPr lvl="1">
+              <a:spcBef>
+                <a:spcPts val="1000"/>
+              </a:spcBef>
+            </a:pPr>
+            <a:r>
+              <a:t>Implementaciones diferentes por micro-service</a:t>
             </a:r>
           </a:p>
           <a:p>
@@ -5996,7 +6244,7 @@
       </p:sp>
       <p:pic>
         <p:nvPicPr>
-          <p:cNvPr id="135" name="Image" descr="Image"/>
+          <p:cNvPr id="137" name="Image" descr="Image"/>
           <p:cNvPicPr>
             <a:picLocks noChangeAspect="1"/>
           </p:cNvPicPr>
@@ -6012,8 +6260,182 @@
         </p:blipFill>
         <p:spPr>
           <a:xfrm>
-            <a:off x="7964834" y="6894710"/>
-            <a:ext cx="4140201" cy="1968501"/>
+            <a:off x="7570427" y="6862626"/>
+            <a:ext cx="5142567" cy="2445085"/>
+          </a:xfrm>
+          <a:prstGeom prst="rect">
+            <a:avLst/>
+          </a:prstGeom>
+          <a:ln w="12700">
+            <a:miter lim="400000"/>
+          </a:ln>
+        </p:spPr>
+      </p:pic>
+      <p:pic>
+        <p:nvPicPr>
+          <p:cNvPr id="138" name="Image" descr="Image"/>
+          <p:cNvPicPr>
+            <a:picLocks noChangeAspect="1"/>
+          </p:cNvPicPr>
+          <p:nvPr/>
+        </p:nvPicPr>
+        <p:blipFill>
+          <a:blip r:embed="rId3">
+            <a:extLst/>
+          </a:blip>
+          <a:stretch>
+            <a:fillRect/>
+          </a:stretch>
+        </p:blipFill>
+        <p:spPr>
+          <a:xfrm>
+            <a:off x="8768355" y="4371261"/>
+            <a:ext cx="765077" cy="765077"/>
+          </a:xfrm>
+          <a:prstGeom prst="rect">
+            <a:avLst/>
+          </a:prstGeom>
+          <a:ln w="12700">
+            <a:miter lim="400000"/>
+          </a:ln>
+        </p:spPr>
+      </p:pic>
+      <p:pic>
+        <p:nvPicPr>
+          <p:cNvPr id="139" name="Image" descr="Image"/>
+          <p:cNvPicPr>
+            <a:picLocks noChangeAspect="1"/>
+          </p:cNvPicPr>
+          <p:nvPr/>
+        </p:nvPicPr>
+        <p:blipFill>
+          <a:blip r:embed="rId4">
+            <a:extLst/>
+          </a:blip>
+          <a:stretch>
+            <a:fillRect/>
+          </a:stretch>
+        </p:blipFill>
+        <p:spPr>
+          <a:xfrm>
+            <a:off x="9456239" y="4058214"/>
+            <a:ext cx="1159198" cy="1159198"/>
+          </a:xfrm>
+          <a:prstGeom prst="rect">
+            <a:avLst/>
+          </a:prstGeom>
+          <a:ln w="12700">
+            <a:miter lim="400000"/>
+          </a:ln>
+        </p:spPr>
+      </p:pic>
+      <p:pic>
+        <p:nvPicPr>
+          <p:cNvPr id="140" name="Image" descr="Image"/>
+          <p:cNvPicPr>
+            <a:picLocks noChangeAspect="1"/>
+          </p:cNvPicPr>
+          <p:nvPr/>
+        </p:nvPicPr>
+        <p:blipFill>
+          <a:blip r:embed="rId5">
+            <a:extLst/>
+          </a:blip>
+          <a:stretch>
+            <a:fillRect/>
+          </a:stretch>
+        </p:blipFill>
+        <p:spPr>
+          <a:xfrm>
+            <a:off x="10698507" y="4412286"/>
+            <a:ext cx="603007" cy="683027"/>
+          </a:xfrm>
+          <a:prstGeom prst="rect">
+            <a:avLst/>
+          </a:prstGeom>
+          <a:ln w="12700">
+            <a:miter lim="400000"/>
+          </a:ln>
+        </p:spPr>
+      </p:pic>
+      <p:pic>
+        <p:nvPicPr>
+          <p:cNvPr id="141" name="Image" descr="Image"/>
+          <p:cNvPicPr>
+            <a:picLocks noChangeAspect="1"/>
+          </p:cNvPicPr>
+          <p:nvPr/>
+        </p:nvPicPr>
+        <p:blipFill>
+          <a:blip r:embed="rId6">
+            <a:extLst/>
+          </a:blip>
+          <a:stretch>
+            <a:fillRect/>
+          </a:stretch>
+        </p:blipFill>
+        <p:spPr>
+          <a:xfrm>
+            <a:off x="9603541" y="5062766"/>
+            <a:ext cx="864593" cy="864594"/>
+          </a:xfrm>
+          <a:prstGeom prst="rect">
+            <a:avLst/>
+          </a:prstGeom>
+          <a:ln w="12700">
+            <a:miter lim="400000"/>
+          </a:ln>
+        </p:spPr>
+      </p:pic>
+      <p:pic>
+        <p:nvPicPr>
+          <p:cNvPr id="142" name="Image" descr="Image"/>
+          <p:cNvPicPr>
+            <a:picLocks noChangeAspect="1"/>
+          </p:cNvPicPr>
+          <p:nvPr/>
+        </p:nvPicPr>
+        <p:blipFill>
+          <a:blip r:embed="rId7">
+            <a:extLst/>
+          </a:blip>
+          <a:stretch>
+            <a:fillRect/>
+          </a:stretch>
+        </p:blipFill>
+        <p:spPr>
+          <a:xfrm>
+            <a:off x="8960884" y="5235779"/>
+            <a:ext cx="380020" cy="518569"/>
+          </a:xfrm>
+          <a:prstGeom prst="rect">
+            <a:avLst/>
+          </a:prstGeom>
+          <a:ln w="12700">
+            <a:miter lim="400000"/>
+          </a:ln>
+        </p:spPr>
+      </p:pic>
+      <p:pic>
+        <p:nvPicPr>
+          <p:cNvPr id="143" name="Image" descr="Image"/>
+          <p:cNvPicPr>
+            <a:picLocks noChangeAspect="1"/>
+          </p:cNvPicPr>
+          <p:nvPr/>
+        </p:nvPicPr>
+        <p:blipFill>
+          <a:blip r:embed="rId8">
+            <a:extLst/>
+          </a:blip>
+          <a:stretch>
+            <a:fillRect/>
+          </a:stretch>
+        </p:blipFill>
+        <p:spPr>
+          <a:xfrm>
+            <a:off x="10698507" y="5193560"/>
+            <a:ext cx="603007" cy="603007"/>
           </a:xfrm>
           <a:prstGeom prst="rect">
             <a:avLst/>
@@ -6051,7 +6473,7 @@
       </p:grpSpPr>
       <p:sp>
         <p:nvSpPr>
-          <p:cNvPr id="137" name="Data Storing"/>
+          <p:cNvPr id="145" name="Data Storing"/>
           <p:cNvSpPr txBox="1"/>
           <p:nvPr>
             <p:ph type="title"/>
@@ -6075,7 +6497,7 @@
       </p:sp>
       <p:sp>
         <p:nvSpPr>
-          <p:cNvPr id="138" name="Database as a Service: CosmosDB…"/>
+          <p:cNvPr id="146" name="Database as a Service: CosmosDB…"/>
           <p:cNvSpPr txBox="1"/>
           <p:nvPr>
             <p:ph type="body" idx="1"/>
@@ -6156,7 +6578,7 @@
       </p:sp>
       <p:pic>
         <p:nvPicPr>
-          <p:cNvPr id="139" name="Image" descr="Image"/>
+          <p:cNvPr id="147" name="Image" descr="Image"/>
           <p:cNvPicPr>
             <a:picLocks noChangeAspect="1"/>
           </p:cNvPicPr>
@@ -6211,7 +6633,7 @@
       </p:grpSpPr>
       <p:sp>
         <p:nvSpPr>
-          <p:cNvPr id="141" name="Event Driven Architecture"/>
+          <p:cNvPr id="149" name="Event Driven Architecture"/>
           <p:cNvSpPr txBox="1"/>
           <p:nvPr>
             <p:ph type="title"/>
@@ -6239,7 +6661,7 @@
       </p:sp>
       <p:sp>
         <p:nvSpPr>
-          <p:cNvPr id="142" name="Messaging as a Service: Azure Service Bus…"/>
+          <p:cNvPr id="150" name="Messaging as a Service: Azure Service Bus…"/>
           <p:cNvSpPr txBox="1"/>
           <p:nvPr>
             <p:ph type="body" idx="1"/>
@@ -6281,7 +6703,7 @@
       </p:sp>
       <p:pic>
         <p:nvPicPr>
-          <p:cNvPr id="143" name="Image" descr="Image"/>
+          <p:cNvPr id="151" name="Image" descr="Image"/>
           <p:cNvPicPr>
             <a:picLocks noChangeAspect="1"/>
           </p:cNvPicPr>
@@ -6310,7 +6732,7 @@
       </p:pic>
       <p:pic>
         <p:nvPicPr>
-          <p:cNvPr id="144" name="Image" descr="Image"/>
+          <p:cNvPr id="152" name="Image" descr="Image"/>
           <p:cNvPicPr>
             <a:picLocks noChangeAspect="1"/>
           </p:cNvPicPr>
@@ -6339,7 +6761,7 @@
       </p:pic>
       <p:pic>
         <p:nvPicPr>
-          <p:cNvPr id="145" name="Image" descr="Image"/>
+          <p:cNvPr id="153" name="Image" descr="Image"/>
           <p:cNvPicPr>
             <a:picLocks noChangeAspect="1"/>
           </p:cNvPicPr>
@@ -6394,7 +6816,7 @@
       </p:grpSpPr>
       <p:sp>
         <p:nvSpPr>
-          <p:cNvPr id="147" name="Continuous Integration"/>
+          <p:cNvPr id="155" name="Continuous Integration"/>
           <p:cNvSpPr txBox="1"/>
           <p:nvPr>
             <p:ph type="title"/>
@@ -6422,7 +6844,7 @@
       </p:sp>
       <p:sp>
         <p:nvSpPr>
-          <p:cNvPr id="148" name="Jenkins…"/>
+          <p:cNvPr id="156" name="Jenkins…"/>
           <p:cNvSpPr txBox="1"/>
           <p:nvPr>
             <p:ph type="body" idx="1"/>
@@ -6580,14 +7002,14 @@
               <a:defRPr sz="2560"/>
             </a:pPr>
             <a:r>
-              <a:t>Lento con cuenta gratuita</a:t>
+              <a:t>Lento con cuenta gratuita, a veces inestable</a:t>
             </a:r>
           </a:p>
         </p:txBody>
       </p:sp>
       <p:pic>
         <p:nvPicPr>
-          <p:cNvPr id="149" name="Image" descr="Image"/>
+          <p:cNvPr id="157" name="Image" descr="Image"/>
           <p:cNvPicPr>
             <a:picLocks noChangeAspect="1"/>
           </p:cNvPicPr>
@@ -6616,7 +7038,7 @@
       </p:pic>
       <p:pic>
         <p:nvPicPr>
-          <p:cNvPr id="150" name="Image" descr="Image"/>
+          <p:cNvPr id="158" name="Image" descr="Image"/>
           <p:cNvPicPr>
             <a:picLocks noChangeAspect="1"/>
           </p:cNvPicPr>
@@ -6632,8 +7054,8 @@
         </p:blipFill>
         <p:spPr>
           <a:xfrm>
-            <a:off x="10608058" y="7568221"/>
-            <a:ext cx="1231035" cy="1136340"/>
+            <a:off x="10608057" y="7568220"/>
+            <a:ext cx="1231036" cy="1136341"/>
           </a:xfrm>
           <a:prstGeom prst="rect">
             <a:avLst/>
